--- a/Fast_Pedestrian_Detection_Using_YOLO_A_Deep_Convolutional_Neural_Network.pptx
+++ b/Fast_Pedestrian_Detection_Using_YOLO_A_Deep_Convolutional_Neural_Network.pptx
@@ -171,6 +171,13 @@
 <p:cmAuthorLst xmlns:a="http://schemas.openxmlformats.org/drawingml/2006/main" xmlns:r="http://schemas.openxmlformats.org/officeDocument/2006/relationships" xmlns:p="http://schemas.openxmlformats.org/presentationml/2006/main">
   <p:cmAuthor id="0" name="Negar" initials="N" lastIdx="7" clrIdx="0"/>
   <p:cmAuthor id="1" name="Mary Tracy Bee" initials="" lastIdx="0" clrIdx="1"/>
+  <p:cmAuthor id="2" name="Mohammad Fanaei" initials="MF" lastIdx="5" clrIdx="2">
+    <p:extLst>
+      <p:ext uri="{19B8F6BF-5375-455C-9EA6-DF929625EA0E}">
+        <p15:presenceInfo xmlns:p15="http://schemas.microsoft.com/office/powerpoint/2012/main" userId="S::fanaeimo@udmercy.edu::14d81a41-da39-48c2-b728-f4749c46e693" providerId="AD"/>
+      </p:ext>
+    </p:extLst>
+  </p:cmAuthor>
 </p:cmAuthorLst>
 </file>
 
@@ -4659,7 +4666,7 @@
         <p:spPr bwMode="auto">
           <a:xfrm>
             <a:off x="11898027" y="6669680"/>
-            <a:ext cx="21241520" cy="25943919"/>
+            <a:ext cx="21241520" cy="25653189"/>
           </a:xfrm>
           <a:prstGeom prst="rect">
             <a:avLst/>
@@ -4713,8 +4720,8 @@
         </p:nvSpPr>
         <p:spPr>
           <a:xfrm>
-            <a:off x="1062278" y="634298"/>
-            <a:ext cx="42202594" cy="4920683"/>
+            <a:off x="642444" y="304801"/>
+            <a:ext cx="42622428" cy="5252293"/>
           </a:xfrm>
           <a:solidFill>
             <a:srgbClr val="376092"/>
@@ -4740,50 +4747,67 @@
           <a:lstStyle/>
           <a:p>
             <a:r>
-              <a:rPr lang="en-US" sz="6300" b="1" dirty="0">
+              <a:rPr lang="en-US" sz="6800" b="1" dirty="0">
                 <a:solidFill>
                   <a:schemeClr val="bg1"/>
                 </a:solidFill>
               </a:rPr>
-              <a:t>Fast Pedestrian Detection </a:t>
+              <a:t>Fast Pedestrian Detection Using Deep Convolutional Neural Networks</a:t>
             </a:r>
             <a:br>
               <a:rPr lang="en-US" sz="6300" b="1" dirty="0">
                 <a:solidFill>
                   <a:schemeClr val="bg1"/>
                 </a:solidFill>
+                <a:cs typeface="Arial"/>
               </a:rPr>
             </a:br>
             <a:r>
-              <a:rPr lang="en-US" sz="6300" b="1" dirty="0">
+              <a:rPr lang="en-US" sz="6300" dirty="0">
                 <a:solidFill>
                   <a:schemeClr val="bg1"/>
                 </a:solidFill>
               </a:rPr>
-              <a:t>Using YOLO, A Deep Convolutional Neural Network</a:t>
-            </a:r>
-            <a:br>
-              <a:rPr lang="en-US" sz="6300" b="1" dirty="0">
+              <a:t>Ali </a:t>
+            </a:r>
+            <a:r>
+              <a:rPr lang="en-US" sz="6300" dirty="0" err="1">
                 <a:solidFill>
                   <a:schemeClr val="bg1"/>
                 </a:solidFill>
+              </a:rPr>
+              <a:t>Babolhavaeji</a:t>
+            </a:r>
+            <a:r>
+              <a:rPr lang="en-US" sz="6300" dirty="0">
+                <a:solidFill>
+                  <a:schemeClr val="bg1"/>
+                </a:solidFill>
                 <a:cs typeface="Arial"/>
               </a:rPr>
-            </a:br>
+              <a:t>,</a:t>
+            </a:r>
             <a:r>
               <a:rPr lang="en-US" sz="6300" dirty="0">
                 <a:solidFill>
                   <a:schemeClr val="bg1"/>
                 </a:solidFill>
               </a:rPr>
-              <a:t> Ali Babolhavaeji</a:t>
+              <a:t> Dr. Mohammad </a:t>
+            </a:r>
+            <a:r>
+              <a:rPr lang="en-US" sz="6300" dirty="0" err="1">
+                <a:solidFill>
+                  <a:schemeClr val="bg1"/>
+                </a:solidFill>
+              </a:rPr>
+              <a:t>Fanaei</a:t>
             </a:r>
             <a:br>
               <a:rPr lang="en-US" sz="6300" dirty="0">
                 <a:solidFill>
                   <a:schemeClr val="bg1"/>
                 </a:solidFill>
-                <a:cs typeface="Arial"/>
               </a:rPr>
             </a:br>
             <a:r>
@@ -4792,15 +4816,47 @@
                   <a:schemeClr val="bg1"/>
                 </a:solidFill>
               </a:rPr>
-              <a:t> Under the guidance of Dr. Mohammad </a:t>
-            </a:r>
-            <a:r>
-              <a:rPr lang="en-US" sz="6300">
+              <a:t>{</a:t>
+            </a:r>
+            <a:r>
+              <a:rPr lang="en-US" sz="6300" dirty="0" err="1">
                 <a:solidFill>
                   <a:schemeClr val="bg1"/>
                 </a:solidFill>
               </a:rPr>
-              <a:t>Fanaei</a:t>
+              <a:t>babolhal</a:t>
+            </a:r>
+            <a:r>
+              <a:rPr lang="en-US" sz="6300" dirty="0">
+                <a:solidFill>
+                  <a:schemeClr val="bg1"/>
+                </a:solidFill>
+              </a:rPr>
+              <a:t>, </a:t>
+            </a:r>
+            <a:r>
+              <a:rPr lang="en-US" sz="6300" dirty="0" err="1">
+                <a:solidFill>
+                  <a:schemeClr val="bg1"/>
+                </a:solidFill>
+              </a:rPr>
+              <a:t>fanaeimo</a:t>
+            </a:r>
+            <a:r>
+              <a:rPr lang="en-US" sz="6300" dirty="0">
+                <a:solidFill>
+                  <a:schemeClr val="bg1"/>
+                </a:solidFill>
+              </a:rPr>
+              <a:t>}@</a:t>
+            </a:r>
+            <a:r>
+              <a:rPr lang="en-US" sz="6300" dirty="0" err="1">
+                <a:solidFill>
+                  <a:schemeClr val="bg1"/>
+                </a:solidFill>
+              </a:rPr>
+              <a:t>udmercy.edu</a:t>
             </a:r>
             <a:br>
               <a:rPr lang="en-US" sz="6300" dirty="0">
@@ -4811,14 +4867,29 @@
               </a:rPr>
             </a:br>
             <a:r>
-              <a:rPr lang="en-US" sz="6300" dirty="0">
+              <a:rPr lang="en-US" sz="6000" dirty="0">
                 <a:solidFill>
                   <a:schemeClr val="bg1"/>
                 </a:solidFill>
               </a:rPr>
-              <a:t> Electrical and Computer Engineering Department, University of Detroit Mercy</a:t>
-            </a:r>
-            <a:endParaRPr lang="en-US" sz="6300" dirty="0">
+              <a:t>Department of Electrical and Computer Engineering and Computer Science</a:t>
+            </a:r>
+            <a:br>
+              <a:rPr lang="en-US" sz="6000" dirty="0">
+                <a:solidFill>
+                  <a:schemeClr val="bg1"/>
+                </a:solidFill>
+              </a:rPr>
+            </a:br>
+            <a:r>
+              <a:rPr lang="en-US" sz="6000" dirty="0">
+                <a:solidFill>
+                  <a:schemeClr val="bg1"/>
+                </a:solidFill>
+              </a:rPr>
+              <a:t>University of Detroit Mercy</a:t>
+            </a:r>
+            <a:endParaRPr lang="en-US" sz="6000" dirty="0">
               <a:solidFill>
                 <a:schemeClr val="bg1"/>
               </a:solidFill>
@@ -4839,8 +4910,8 @@
         </p:nvSpPr>
         <p:spPr>
           <a:xfrm>
-            <a:off x="1045028" y="6669681"/>
-            <a:ext cx="10426911" cy="12456518"/>
+            <a:off x="642444" y="6669680"/>
+            <a:ext cx="10829495" cy="13794627"/>
           </a:xfrm>
           <a:ln/>
         </p:spPr>
@@ -4862,7 +4933,7 @@
           <a:bodyPr lIns="80010" tIns="40005" rIns="80010" bIns="40005"/>
           <a:lstStyle/>
           <a:p>
-            <a:pPr marL="0" indent="0" algn="just" eaLnBrk="1" hangingPunct="1">
+            <a:pPr algn="just" eaLnBrk="1" hangingPunct="1">
               <a:lnSpc>
                 <a:spcPct val="90000"/>
               </a:lnSpc>
@@ -4872,14 +4943,320 @@
               <a:spcAft>
                 <a:spcPts val="0"/>
               </a:spcAft>
-              <a:buNone/>
             </a:pPr>
             <a:r>
               <a:rPr lang="en-US" sz="3600" dirty="0">
                 <a:latin typeface="Arial Narrow" panose="020B0606020202030204" pitchFamily="34" charset="0"/>
                 <a:cs typeface="Times New Roman" panose="02020603050405020304" pitchFamily="18" charset="0"/>
               </a:rPr>
-              <a:t>In self-driving vehicles, a real-time system is needed to reliably detect pedestrians, vehicles, traffic signs, and lane lines. The goal of this research is to design, implement, and test a real-time pedestrian detection system to be used in self-driving vehicles, where the prior knowledge obtained through the analysis of many images with labeled pedestrians (i.e., training set) will be used to recognize a pedestrian in a given unseen image. It is a non-trivial problem because of the wide range of human poses and the variety of complex backgrounds in the images of interest as well as the processing speed that this application demands. A typical object detector can locate an object in any location and scale in an image. The object detector must classify each object inside the image and determine its location. Generally, an object detector has two parts, namely feature extraction and classification. There are many techniques to extract complex features from an image such as handcraft feature descriptors (e.g., SIFT, HOG, and LBP) or using sliding window over the image and convolutional neural networks (CNN). The CNN-based feature extraction models have proven in recent research studies to be more promising than other competitors. In this research the YOLO V2 object detection model is implemented. We have used a Microsoft kinetic camera get image and feed it to the network for the real time pedestrian detection task.</a:t>
+              <a:t>In </a:t>
+            </a:r>
+            <a:r>
+              <a:rPr lang="en-US" sz="3600" b="1" dirty="0">
+                <a:latin typeface="Arial Narrow" panose="020B0606020202030204" pitchFamily="34" charset="0"/>
+                <a:cs typeface="Times New Roman" panose="02020603050405020304" pitchFamily="18" charset="0"/>
+              </a:rPr>
+              <a:t>self-driving vehicles</a:t>
+            </a:r>
+            <a:r>
+              <a:rPr lang="en-US" sz="3600" dirty="0">
+                <a:latin typeface="Arial Narrow" panose="020B0606020202030204" pitchFamily="34" charset="0"/>
+                <a:cs typeface="Times New Roman" panose="02020603050405020304" pitchFamily="18" charset="0"/>
+              </a:rPr>
+              <a:t>, a </a:t>
+            </a:r>
+            <a:r>
+              <a:rPr lang="en-US" sz="3600" dirty="0">
+                <a:solidFill>
+                  <a:srgbClr val="C00000"/>
+                </a:solidFill>
+                <a:latin typeface="Arial Narrow" panose="020B0606020202030204" pitchFamily="34" charset="0"/>
+                <a:cs typeface="Times New Roman" panose="02020603050405020304" pitchFamily="18" charset="0"/>
+              </a:rPr>
+              <a:t>real-time system</a:t>
+            </a:r>
+            <a:r>
+              <a:rPr lang="en-US" sz="3600" b="1" dirty="0">
+                <a:latin typeface="Arial Narrow" panose="020B0606020202030204" pitchFamily="34" charset="0"/>
+                <a:cs typeface="Times New Roman" panose="02020603050405020304" pitchFamily="18" charset="0"/>
+              </a:rPr>
+              <a:t> </a:t>
+            </a:r>
+            <a:r>
+              <a:rPr lang="en-US" sz="3600" dirty="0">
+                <a:latin typeface="Arial Narrow" panose="020B0606020202030204" pitchFamily="34" charset="0"/>
+                <a:cs typeface="Times New Roman" panose="02020603050405020304" pitchFamily="18" charset="0"/>
+              </a:rPr>
+              <a:t>is needed to reliably detect pedestrians, vehicles, traffic signs, and lane lines.</a:t>
+            </a:r>
+          </a:p>
+          <a:p>
+            <a:pPr algn="just" eaLnBrk="1" hangingPunct="1">
+              <a:lnSpc>
+                <a:spcPct val="90000"/>
+              </a:lnSpc>
+              <a:spcBef>
+                <a:spcPts val="1575"/>
+              </a:spcBef>
+              <a:spcAft>
+                <a:spcPts val="0"/>
+              </a:spcAft>
+            </a:pPr>
+            <a:r>
+              <a:rPr lang="en-US" sz="3600" dirty="0">
+                <a:latin typeface="Arial Narrow" panose="020B0606020202030204" pitchFamily="34" charset="0"/>
+                <a:cs typeface="Times New Roman" panose="02020603050405020304" pitchFamily="18" charset="0"/>
+              </a:rPr>
+              <a:t>The </a:t>
+            </a:r>
+            <a:r>
+              <a:rPr lang="en-US" sz="3600" b="1" dirty="0">
+                <a:latin typeface="Arial Narrow" panose="020B0606020202030204" pitchFamily="34" charset="0"/>
+                <a:cs typeface="Times New Roman" panose="02020603050405020304" pitchFamily="18" charset="0"/>
+              </a:rPr>
+              <a:t>goal</a:t>
+            </a:r>
+            <a:r>
+              <a:rPr lang="en-US" sz="3600" dirty="0">
+                <a:latin typeface="Arial Narrow" panose="020B0606020202030204" pitchFamily="34" charset="0"/>
+                <a:cs typeface="Times New Roman" panose="02020603050405020304" pitchFamily="18" charset="0"/>
+              </a:rPr>
+              <a:t> of this research is to design, implement, and test a </a:t>
+            </a:r>
+            <a:r>
+              <a:rPr lang="en-US" sz="3600" b="1" dirty="0">
+                <a:solidFill>
+                  <a:srgbClr val="C00000"/>
+                </a:solidFill>
+                <a:latin typeface="Arial Narrow" panose="020B0606020202030204" pitchFamily="34" charset="0"/>
+                <a:cs typeface="Times New Roman" panose="02020603050405020304" pitchFamily="18" charset="0"/>
+              </a:rPr>
+              <a:t>real-time pedestrian detection system</a:t>
+            </a:r>
+            <a:r>
+              <a:rPr lang="en-US" sz="3600" b="1" dirty="0">
+                <a:latin typeface="Arial Narrow" panose="020B0606020202030204" pitchFamily="34" charset="0"/>
+                <a:cs typeface="Times New Roman" panose="02020603050405020304" pitchFamily="18" charset="0"/>
+              </a:rPr>
+              <a:t> </a:t>
+            </a:r>
+            <a:r>
+              <a:rPr lang="en-US" sz="3600" dirty="0">
+                <a:latin typeface="Arial Narrow" panose="020B0606020202030204" pitchFamily="34" charset="0"/>
+                <a:cs typeface="Times New Roman" panose="02020603050405020304" pitchFamily="18" charset="0"/>
+              </a:rPr>
+              <a:t>to be used in self-driving vehicles.</a:t>
+            </a:r>
+          </a:p>
+          <a:p>
+            <a:pPr algn="just" eaLnBrk="1" hangingPunct="1">
+              <a:lnSpc>
+                <a:spcPct val="90000"/>
+              </a:lnSpc>
+              <a:spcBef>
+                <a:spcPts val="1575"/>
+              </a:spcBef>
+              <a:spcAft>
+                <a:spcPts val="0"/>
+              </a:spcAft>
+            </a:pPr>
+            <a:r>
+              <a:rPr lang="en-US" sz="3600" dirty="0">
+                <a:latin typeface="Arial Narrow" panose="020B0606020202030204" pitchFamily="34" charset="0"/>
+                <a:cs typeface="Times New Roman" panose="02020603050405020304" pitchFamily="18" charset="0"/>
+              </a:rPr>
+              <a:t>It is a non-trivial problem because of the </a:t>
+            </a:r>
+            <a:r>
+              <a:rPr lang="en-US" sz="3600" b="1" dirty="0">
+                <a:latin typeface="Arial Narrow" panose="020B0606020202030204" pitchFamily="34" charset="0"/>
+                <a:cs typeface="Times New Roman" panose="02020603050405020304" pitchFamily="18" charset="0"/>
+              </a:rPr>
+              <a:t>wide range of human poses and the variety of complex backgrounds </a:t>
+            </a:r>
+            <a:r>
+              <a:rPr lang="en-US" sz="3600" dirty="0">
+                <a:latin typeface="Arial Narrow" panose="020B0606020202030204" pitchFamily="34" charset="0"/>
+                <a:cs typeface="Times New Roman" panose="02020603050405020304" pitchFamily="18" charset="0"/>
+              </a:rPr>
+              <a:t>in the images of interest as well as the </a:t>
+            </a:r>
+            <a:r>
+              <a:rPr lang="en-US" sz="3600" b="1" dirty="0">
+                <a:latin typeface="Arial Narrow" panose="020B0606020202030204" pitchFamily="34" charset="0"/>
+                <a:cs typeface="Times New Roman" panose="02020603050405020304" pitchFamily="18" charset="0"/>
+              </a:rPr>
+              <a:t>processing speed </a:t>
+            </a:r>
+            <a:r>
+              <a:rPr lang="en-US" sz="3600" dirty="0">
+                <a:latin typeface="Arial Narrow" panose="020B0606020202030204" pitchFamily="34" charset="0"/>
+                <a:cs typeface="Times New Roman" panose="02020603050405020304" pitchFamily="18" charset="0"/>
+              </a:rPr>
+              <a:t>that this application demands.</a:t>
+            </a:r>
+          </a:p>
+          <a:p>
+            <a:pPr algn="just" eaLnBrk="1" hangingPunct="1">
+              <a:lnSpc>
+                <a:spcPct val="90000"/>
+              </a:lnSpc>
+              <a:spcBef>
+                <a:spcPts val="1575"/>
+              </a:spcBef>
+              <a:spcAft>
+                <a:spcPts val="0"/>
+              </a:spcAft>
+            </a:pPr>
+            <a:r>
+              <a:rPr lang="en-US" sz="3600" dirty="0">
+                <a:latin typeface="Arial Narrow" panose="020B0606020202030204" pitchFamily="34" charset="0"/>
+                <a:cs typeface="Times New Roman" panose="02020603050405020304" pitchFamily="18" charset="0"/>
+              </a:rPr>
+              <a:t>A typical </a:t>
+            </a:r>
+            <a:r>
+              <a:rPr lang="en-US" sz="3600" dirty="0">
+                <a:solidFill>
+                  <a:srgbClr val="C00000"/>
+                </a:solidFill>
+                <a:latin typeface="Arial Narrow" panose="020B0606020202030204" pitchFamily="34" charset="0"/>
+                <a:cs typeface="Times New Roman" panose="02020603050405020304" pitchFamily="18" charset="0"/>
+              </a:rPr>
+              <a:t>object detector</a:t>
+            </a:r>
+            <a:r>
+              <a:rPr lang="en-US" sz="3600" b="1" dirty="0">
+                <a:latin typeface="Arial Narrow" panose="020B0606020202030204" pitchFamily="34" charset="0"/>
+                <a:cs typeface="Times New Roman" panose="02020603050405020304" pitchFamily="18" charset="0"/>
+              </a:rPr>
+              <a:t> </a:t>
+            </a:r>
+            <a:r>
+              <a:rPr lang="en-US" sz="3600" dirty="0">
+                <a:latin typeface="Arial Narrow" panose="020B0606020202030204" pitchFamily="34" charset="0"/>
+                <a:cs typeface="Times New Roman" panose="02020603050405020304" pitchFamily="18" charset="0"/>
+              </a:rPr>
+              <a:t>can </a:t>
+            </a:r>
+            <a:r>
+              <a:rPr lang="en-US" sz="3600" dirty="0">
+                <a:solidFill>
+                  <a:srgbClr val="C00000"/>
+                </a:solidFill>
+                <a:latin typeface="Arial Narrow" panose="020B0606020202030204" pitchFamily="34" charset="0"/>
+                <a:cs typeface="Times New Roman" panose="02020603050405020304" pitchFamily="18" charset="0"/>
+              </a:rPr>
+              <a:t>locate</a:t>
+            </a:r>
+            <a:r>
+              <a:rPr lang="en-US" sz="3600" dirty="0">
+                <a:latin typeface="Arial Narrow" panose="020B0606020202030204" pitchFamily="34" charset="0"/>
+                <a:cs typeface="Times New Roman" panose="02020603050405020304" pitchFamily="18" charset="0"/>
+              </a:rPr>
+              <a:t> an object in any location and scale in an image. The object detector must </a:t>
+            </a:r>
+            <a:r>
+              <a:rPr lang="en-US" sz="3600" dirty="0">
+                <a:solidFill>
+                  <a:srgbClr val="C00000"/>
+                </a:solidFill>
+                <a:latin typeface="Arial Narrow" panose="020B0606020202030204" pitchFamily="34" charset="0"/>
+                <a:cs typeface="Times New Roman" panose="02020603050405020304" pitchFamily="18" charset="0"/>
+              </a:rPr>
+              <a:t>classify</a:t>
+            </a:r>
+            <a:r>
+              <a:rPr lang="en-US" sz="3600" dirty="0">
+                <a:latin typeface="Arial Narrow" panose="020B0606020202030204" pitchFamily="34" charset="0"/>
+                <a:cs typeface="Times New Roman" panose="02020603050405020304" pitchFamily="18" charset="0"/>
+              </a:rPr>
+              <a:t> each object</a:t>
+            </a:r>
+            <a:r>
+              <a:rPr lang="en-US" sz="3600" b="1" dirty="0">
+                <a:latin typeface="Arial Narrow" panose="020B0606020202030204" pitchFamily="34" charset="0"/>
+                <a:cs typeface="Times New Roman" panose="02020603050405020304" pitchFamily="18" charset="0"/>
+              </a:rPr>
+              <a:t> </a:t>
+            </a:r>
+            <a:r>
+              <a:rPr lang="en-US" sz="3600" dirty="0">
+                <a:latin typeface="Arial Narrow" panose="020B0606020202030204" pitchFamily="34" charset="0"/>
+                <a:cs typeface="Times New Roman" panose="02020603050405020304" pitchFamily="18" charset="0"/>
+              </a:rPr>
+              <a:t>inside the image and </a:t>
+            </a:r>
+            <a:r>
+              <a:rPr lang="en-US" sz="3600" dirty="0">
+                <a:solidFill>
+                  <a:srgbClr val="C00000"/>
+                </a:solidFill>
+                <a:latin typeface="Arial Narrow" panose="020B0606020202030204" pitchFamily="34" charset="0"/>
+                <a:cs typeface="Times New Roman" panose="02020603050405020304" pitchFamily="18" charset="0"/>
+              </a:rPr>
+              <a:t>determine its location</a:t>
+            </a:r>
+            <a:r>
+              <a:rPr lang="en-US" sz="3600" dirty="0">
+                <a:latin typeface="Arial Narrow" panose="020B0606020202030204" pitchFamily="34" charset="0"/>
+                <a:cs typeface="Times New Roman" panose="02020603050405020304" pitchFamily="18" charset="0"/>
+              </a:rPr>
+              <a:t>. </a:t>
+            </a:r>
+          </a:p>
+          <a:p>
+            <a:pPr algn="just" eaLnBrk="1" hangingPunct="1">
+              <a:lnSpc>
+                <a:spcPct val="90000"/>
+              </a:lnSpc>
+              <a:spcBef>
+                <a:spcPts val="1575"/>
+              </a:spcBef>
+              <a:spcAft>
+                <a:spcPts val="0"/>
+              </a:spcAft>
+            </a:pPr>
+            <a:r>
+              <a:rPr lang="en-US" sz="3600" dirty="0">
+                <a:latin typeface="Arial Narrow" panose="020B0606020202030204" pitchFamily="34" charset="0"/>
+                <a:cs typeface="Times New Roman" panose="02020603050405020304" pitchFamily="18" charset="0"/>
+              </a:rPr>
+              <a:t>The feature extraction models based on </a:t>
+            </a:r>
+            <a:r>
+              <a:rPr lang="en-US" sz="3600" b="1" dirty="0">
+                <a:solidFill>
+                  <a:srgbClr val="C00000"/>
+                </a:solidFill>
+                <a:latin typeface="Arial Narrow" panose="020B0606020202030204" pitchFamily="34" charset="0"/>
+                <a:cs typeface="Times New Roman" panose="02020603050405020304" pitchFamily="18" charset="0"/>
+              </a:rPr>
+              <a:t>convolutional neural networks (CNN)</a:t>
+            </a:r>
+            <a:r>
+              <a:rPr lang="en-US" sz="3600" dirty="0">
+                <a:latin typeface="Arial Narrow" panose="020B0606020202030204" pitchFamily="34" charset="0"/>
+                <a:cs typeface="Times New Roman" panose="02020603050405020304" pitchFamily="18" charset="0"/>
+              </a:rPr>
+              <a:t> have proven to be more promising than other competitors. In this research, the </a:t>
+            </a:r>
+            <a:r>
+              <a:rPr lang="en-US" sz="3600" dirty="0">
+                <a:solidFill>
+                  <a:srgbClr val="C00000"/>
+                </a:solidFill>
+                <a:latin typeface="Arial Narrow" panose="020B0606020202030204" pitchFamily="34" charset="0"/>
+                <a:cs typeface="Times New Roman" panose="02020603050405020304" pitchFamily="18" charset="0"/>
+              </a:rPr>
+              <a:t>YOLO V2 object detection model</a:t>
+            </a:r>
+            <a:r>
+              <a:rPr lang="en-US" sz="3600" dirty="0">
+                <a:latin typeface="Arial Narrow" panose="020B0606020202030204" pitchFamily="34" charset="0"/>
+                <a:cs typeface="Times New Roman" panose="02020603050405020304" pitchFamily="18" charset="0"/>
+              </a:rPr>
+              <a:t> is implemented.</a:t>
             </a:r>
             <a:endParaRPr lang="en-US" sz="3900" b="1" dirty="0">
               <a:latin typeface="Arial Narrow" panose="020B0606020202030204" pitchFamily="34" charset="0"/>
@@ -5107,8 +5484,8 @@
         </p:blipFill>
         <p:spPr bwMode="auto">
           <a:xfrm>
-            <a:off x="2133600" y="2249975"/>
-            <a:ext cx="5473707" cy="2220889"/>
+            <a:off x="1408798" y="1828431"/>
+            <a:ext cx="6198510" cy="2699252"/>
           </a:xfrm>
           <a:prstGeom prst="rect">
             <a:avLst/>
@@ -5160,8 +5537,8 @@
         </p:blipFill>
         <p:spPr bwMode="auto">
           <a:xfrm>
-            <a:off x="37300803" y="2318555"/>
-            <a:ext cx="5473707" cy="2220889"/>
+            <a:off x="36702090" y="1828431"/>
+            <a:ext cx="6198510" cy="2699252"/>
           </a:xfrm>
           <a:prstGeom prst="rect">
             <a:avLst/>
@@ -5627,8 +6004,8 @@
         </p:nvSpPr>
         <p:spPr bwMode="auto">
           <a:xfrm>
-            <a:off x="33566759" y="29138179"/>
-            <a:ext cx="9681999" cy="3475419"/>
+            <a:off x="33566759" y="29138180"/>
+            <a:ext cx="9681999" cy="3184690"/>
           </a:xfrm>
           <a:prstGeom prst="rect">
             <a:avLst/>
@@ -5802,7 +6179,7 @@
             </a:lvl9pPr>
           </a:lstStyle>
           <a:p>
-            <a:pPr marL="0" indent="0" algn="just" eaLnBrk="1" hangingPunct="1">
+            <a:pPr marL="457200" indent="-457200" algn="just" eaLnBrk="1" hangingPunct="1">
               <a:lnSpc>
                 <a:spcPct val="90000"/>
               </a:lnSpc>
@@ -5812,18 +6189,18 @@
               <a:spcAft>
                 <a:spcPts val="0"/>
               </a:spcAft>
-              <a:buNone/>
+              <a:buFont typeface="+mj-lt"/>
+              <a:buAutoNum type="arabicPeriod"/>
             </a:pPr>
             <a:r>
-              <a:rPr lang="en-US" sz="2400" dirty="0">
-                <a:latin typeface="Times New Roman" panose="02020603050405020304" pitchFamily="18" charset="0"/>
+              <a:rPr lang="en-US" sz="2200" dirty="0">
                 <a:cs typeface="Times New Roman" panose="02020603050405020304" pitchFamily="18" charset="0"/>
               </a:rPr>
-              <a:t>[1]https://fairyonice.github.io/Step_by_Step_Data_Science_Night_Complete.html</a:t>
-            </a:r>
-          </a:p>
-          <a:p>
-            <a:pPr marL="0" indent="0" algn="just" eaLnBrk="1" hangingPunct="1">
+              <a:t>https://fairyonice.github.io/Step_by_Step_Data_Science_Night_Complete.html</a:t>
+            </a:r>
+          </a:p>
+          <a:p>
+            <a:pPr marL="457200" indent="-457200" algn="just" eaLnBrk="1" hangingPunct="1">
               <a:lnSpc>
                 <a:spcPct val="90000"/>
               </a:lnSpc>
@@ -5833,18 +6210,18 @@
               <a:spcAft>
                 <a:spcPts val="0"/>
               </a:spcAft>
-              <a:buNone/>
+              <a:buFont typeface="+mj-lt"/>
+              <a:buAutoNum type="arabicPeriod"/>
             </a:pPr>
             <a:r>
-              <a:rPr lang="en-US" sz="2400" dirty="0">
-                <a:latin typeface="Times New Roman" panose="02020603050405020304" pitchFamily="18" charset="0"/>
+              <a:rPr lang="en-US" sz="2200" dirty="0">
                 <a:cs typeface="Times New Roman" panose="02020603050405020304" pitchFamily="18" charset="0"/>
               </a:rPr>
-              <a:t>[2]https://docs.google.com/presentation/d/1kAa7NOamBt4calBU9iHgT8a86RRHz9Yz2oh4-GTdX6M/edit#slide=id.g151008b386_0_57</a:t>
-            </a:r>
-          </a:p>
-          <a:p>
-            <a:pPr marL="0" indent="0" algn="just" eaLnBrk="1" hangingPunct="1">
+              <a:t>https://docs.google.com/presentation/d/1kAa7NOamBt4calBU9iHgT8a86RRHz9Yz2oh4-GTdX6M/edit#slide=id.g151008b386_0_57</a:t>
+            </a:r>
+          </a:p>
+          <a:p>
+            <a:pPr marL="457200" indent="-457200" algn="just" eaLnBrk="1" hangingPunct="1">
               <a:lnSpc>
                 <a:spcPct val="90000"/>
               </a:lnSpc>
@@ -5854,46 +6231,42 @@
               <a:spcAft>
                 <a:spcPts val="0"/>
               </a:spcAft>
-              <a:buNone/>
+              <a:buFont typeface="+mj-lt"/>
+              <a:buAutoNum type="arabicPeriod"/>
             </a:pPr>
             <a:r>
-              <a:rPr lang="en-US" sz="2400" dirty="0">
-                <a:latin typeface="Times New Roman" panose="02020603050405020304" pitchFamily="18" charset="0"/>
+              <a:rPr lang="en-US" sz="2200" dirty="0">
                 <a:cs typeface="Times New Roman" panose="02020603050405020304" pitchFamily="18" charset="0"/>
               </a:rPr>
-              <a:t>[3] Redmon J., </a:t>
-            </a:r>
-            <a:r>
-              <a:rPr lang="en-US" sz="2400" dirty="0" err="1">
-                <a:latin typeface="Times New Roman" panose="02020603050405020304" pitchFamily="18" charset="0"/>
+              <a:t>Redmon J., </a:t>
+            </a:r>
+            <a:r>
+              <a:rPr lang="en-US" sz="2200" dirty="0" err="1">
                 <a:cs typeface="Times New Roman" panose="02020603050405020304" pitchFamily="18" charset="0"/>
               </a:rPr>
               <a:t>Divvala</a:t>
             </a:r>
             <a:r>
-              <a:rPr lang="en-US" sz="2400" dirty="0">
-                <a:latin typeface="Times New Roman" panose="02020603050405020304" pitchFamily="18" charset="0"/>
+              <a:rPr lang="en-US" sz="2200" dirty="0">
                 <a:cs typeface="Times New Roman" panose="02020603050405020304" pitchFamily="18" charset="0"/>
               </a:rPr>
               <a:t> S., </a:t>
             </a:r>
             <a:r>
-              <a:rPr lang="en-US" sz="2400" dirty="0" err="1">
-                <a:latin typeface="Times New Roman" panose="02020603050405020304" pitchFamily="18" charset="0"/>
+              <a:rPr lang="en-US" sz="2200" dirty="0" err="1">
                 <a:cs typeface="Times New Roman" panose="02020603050405020304" pitchFamily="18" charset="0"/>
               </a:rPr>
               <a:t>Girshick</a:t>
             </a:r>
             <a:r>
-              <a:rPr lang="en-US" sz="2400" dirty="0">
-                <a:latin typeface="Times New Roman" panose="02020603050405020304" pitchFamily="18" charset="0"/>
+              <a:rPr lang="en-US" sz="2200" dirty="0">
                 <a:cs typeface="Times New Roman" panose="02020603050405020304" pitchFamily="18" charset="0"/>
               </a:rPr>
               <a:t> R., Farhadi A. You only look once: Unified, real-time object detection; Proceedings of the IEEE Conference on Computer Vision and Pattern Recognition (CVPR)</a:t>
             </a:r>
           </a:p>
           <a:p>
-            <a:pPr marL="0" indent="0" algn="just" eaLnBrk="1" hangingPunct="1">
+            <a:pPr marL="457200" indent="-457200" algn="just" eaLnBrk="1" hangingPunct="1">
               <a:lnSpc>
                 <a:spcPct val="90000"/>
               </a:lnSpc>
@@ -5903,35 +6276,15 @@
               <a:spcAft>
                 <a:spcPts val="0"/>
               </a:spcAft>
-              <a:buNone/>
+              <a:buFont typeface="+mj-lt"/>
+              <a:buAutoNum type="arabicPeriod"/>
             </a:pPr>
             <a:r>
-              <a:rPr lang="en-US" sz="2400" dirty="0">
-                <a:latin typeface="Times New Roman" panose="02020603050405020304" pitchFamily="18" charset="0"/>
+              <a:rPr lang="en-US" sz="2200" dirty="0">
                 <a:cs typeface="Times New Roman" panose="02020603050405020304" pitchFamily="18" charset="0"/>
               </a:rPr>
-              <a:t>[4] https://www.ncbi.nlm.nih.gov/pmc/articles/PMC6308705/</a:t>
-            </a:r>
-          </a:p>
-          <a:p>
-            <a:pPr marL="0" indent="0" algn="ctr" eaLnBrk="1" hangingPunct="1">
-              <a:lnSpc>
-                <a:spcPct val="90000"/>
-              </a:lnSpc>
-              <a:spcBef>
-                <a:spcPts val="1575"/>
-              </a:spcBef>
-              <a:spcAft>
-                <a:spcPts val="0"/>
-              </a:spcAft>
-              <a:buFontTx/>
-              <a:buNone/>
-            </a:pPr>
-            <a:endParaRPr lang="en-US" sz="3900" b="1" kern="0" dirty="0">
-              <a:latin typeface="Tahoma" pitchFamily="34" charset="0"/>
-              <a:ea typeface="Tahoma" pitchFamily="34" charset="0"/>
-              <a:cs typeface="Tahoma" pitchFamily="34" charset="0"/>
-            </a:endParaRPr>
+              <a:t>https://www.ncbi.nlm.nih.gov/pmc/articles/PMC6308705/</a:t>
+            </a:r>
           </a:p>
         </p:txBody>
       </p:sp>
@@ -5949,8 +6302,8 @@
         </p:nvSpPr>
         <p:spPr>
           <a:xfrm>
-            <a:off x="1045028" y="5757247"/>
-            <a:ext cx="10426911" cy="641324"/>
+            <a:off x="642444" y="5757247"/>
+            <a:ext cx="10829495" cy="653066"/>
           </a:xfrm>
           <a:prstGeom prst="rect">
             <a:avLst/>
@@ -5982,7 +6335,7 @@
                 </a:solidFill>
                 <a:latin typeface="Calibri"/>
               </a:rPr>
-              <a:t>ABSTRACT</a:t>
+              <a:t>MOTIVATION</a:t>
             </a:r>
             <a:endParaRPr dirty="0"/>
           </a:p>
@@ -6002,8 +6355,8 @@
         </p:nvSpPr>
         <p:spPr>
           <a:xfrm>
-            <a:off x="1045028" y="19254826"/>
-            <a:ext cx="10460437" cy="641324"/>
+            <a:off x="642444" y="20542276"/>
+            <a:ext cx="10863021" cy="653066"/>
           </a:xfrm>
           <a:prstGeom prst="rect">
             <a:avLst/>
@@ -6035,7 +6388,7 @@
                 </a:solidFill>
                 <a:latin typeface="Calibri"/>
               </a:rPr>
-              <a:t>INTRODUCTION</a:t>
+              <a:t>KEY IDEAS</a:t>
             </a:r>
           </a:p>
         </p:txBody>
@@ -6139,7 +6492,7 @@
                 </a:solidFill>
                 <a:latin typeface="Calibri"/>
               </a:rPr>
-              <a:t>CONCLUSION &amp; DISCUSSION</a:t>
+              <a:t>RESULTS &amp; DEMONSTRATION</a:t>
             </a:r>
           </a:p>
         </p:txBody>
@@ -6160,8 +6513,8 @@
         </p:nvSpPr>
         <p:spPr bwMode="auto">
           <a:xfrm>
-            <a:off x="1045028" y="20024777"/>
-            <a:ext cx="10426911" cy="12588821"/>
+            <a:off x="642442" y="21261568"/>
+            <a:ext cx="10829497" cy="11061301"/>
           </a:xfrm>
           <a:prstGeom prst="rect">
             <a:avLst/>
@@ -6352,7 +6705,7 @@
             </a:lvl9pPr>
           </a:lstStyle>
           <a:p>
-            <a:pPr marL="0" indent="0" algn="just" eaLnBrk="1" hangingPunct="1">
+            <a:pPr algn="just" eaLnBrk="1" hangingPunct="1">
               <a:lnSpc>
                 <a:spcPct val="90000"/>
               </a:lnSpc>
@@ -6362,36 +6715,61 @@
               <a:spcAft>
                 <a:spcPts val="0"/>
               </a:spcAft>
-              <a:buFontTx/>
-              <a:buNone/>
             </a:pPr>
+            <a:r>
+              <a:rPr lang="en-US" sz="3600" kern="0" dirty="0">
+                <a:solidFill>
+                  <a:srgbClr val="C00000"/>
+                </a:solidFill>
+                <a:latin typeface="Arial Narrow" panose="020B0606020202030204" pitchFamily="34" charset="0"/>
+                <a:cs typeface="Times New Roman" panose="02020603050405020304" pitchFamily="18" charset="0"/>
+              </a:rPr>
+              <a:t>You Only Look Once (</a:t>
+            </a:r>
+            <a:r>
+              <a:rPr lang="en-US" sz="3600" b="1" kern="0" dirty="0">
+                <a:solidFill>
+                  <a:srgbClr val="C00000"/>
+                </a:solidFill>
+                <a:latin typeface="Arial Narrow" panose="020B0606020202030204" pitchFamily="34" charset="0"/>
+                <a:cs typeface="Times New Roman" panose="02020603050405020304" pitchFamily="18" charset="0"/>
+              </a:rPr>
+              <a:t>YOLO</a:t>
+            </a:r>
+            <a:r>
+              <a:rPr lang="en-US" sz="3600" kern="0" dirty="0">
+                <a:solidFill>
+                  <a:srgbClr val="C00000"/>
+                </a:solidFill>
+                <a:latin typeface="Arial Narrow" panose="020B0606020202030204" pitchFamily="34" charset="0"/>
+                <a:cs typeface="Times New Roman" panose="02020603050405020304" pitchFamily="18" charset="0"/>
+              </a:rPr>
+              <a:t>)</a:t>
+            </a:r>
             <a:r>
               <a:rPr lang="en-US" sz="3600" kern="0" dirty="0">
                 <a:latin typeface="Arial Narrow" panose="020B0606020202030204" pitchFamily="34" charset="0"/>
                 <a:cs typeface="Times New Roman" panose="02020603050405020304" pitchFamily="18" charset="0"/>
               </a:rPr>
-              <a:t>You Look Only Once (YOLO) is proposed by Redmon et al [3].  that is the end-to-end object detection method in 2016. YOLO is extremally fast algorithm which it use a very deep convolutional neural network architecture. YOLO uses the global features from the entire image. It splits image to S ×S grids which each grid has B bounding boxes (X ,Y ,W and H and confidence of each object) with different dimensions for each grid. The values of w and h represent the width and height of the box relative to the whole image. The values of (x, y) represent the center coordinates of the box relative to the bounds of the grid cell. The object confidence represents the reliability of existing object in the box, which is defined as follow: (In the Figure.</a:t>
-            </a:r>
-            <a:r>
-              <a:rPr lang="en-US" sz="3600" kern="0" dirty="0">
-                <a:solidFill>
-                  <a:schemeClr val="tx1"/>
-                </a:solidFill>
+              <a:t> is an end-to-end object detection method proposed by Redmon et al. [3] in </a:t>
+            </a:r>
+            <a:r>
+              <a:rPr lang="en-US" sz="3600" b="1" kern="0" dirty="0">
                 <a:latin typeface="Arial Narrow" panose="020B0606020202030204" pitchFamily="34" charset="0"/>
                 <a:cs typeface="Times New Roman" panose="02020603050405020304" pitchFamily="18" charset="0"/>
               </a:rPr>
-              <a:t>4</a:t>
+              <a:t>2016</a:t>
             </a:r>
             <a:r>
               <a:rPr lang="en-US" sz="3600" kern="0" dirty="0">
                 <a:latin typeface="Arial Narrow" panose="020B0606020202030204" pitchFamily="34" charset="0"/>
                 <a:cs typeface="Times New Roman" panose="02020603050405020304" pitchFamily="18" charset="0"/>
               </a:rPr>
-              <a:t> this formula is used)</a:t>
-            </a:r>
-          </a:p>
-          <a:p>
-            <a:pPr marL="0" indent="0" algn="just" eaLnBrk="1" hangingPunct="1">
+              <a:t>.</a:t>
+            </a:r>
+          </a:p>
+          <a:p>
+            <a:pPr algn="just" eaLnBrk="1" hangingPunct="1">
               <a:lnSpc>
                 <a:spcPct val="90000"/>
               </a:lnSpc>
@@ -6401,16 +6779,34 @@
               <a:spcAft>
                 <a:spcPts val="0"/>
               </a:spcAft>
-              <a:buFontTx/>
-              <a:buNone/>
             </a:pPr>
-            <a:endParaRPr lang="en-US" sz="3600" kern="0" dirty="0">
-              <a:latin typeface="Arial Narrow" panose="020B0606020202030204" pitchFamily="34" charset="0"/>
-              <a:cs typeface="Times New Roman" panose="02020603050405020304" pitchFamily="18" charset="0"/>
-            </a:endParaRPr>
-          </a:p>
-          <a:p>
-            <a:pPr marL="0" indent="0" algn="just" eaLnBrk="1" hangingPunct="1">
+            <a:r>
+              <a:rPr lang="en-US" sz="3600" kern="0" dirty="0">
+                <a:latin typeface="Arial Narrow" panose="020B0606020202030204" pitchFamily="34" charset="0"/>
+                <a:cs typeface="Times New Roman" panose="02020603050405020304" pitchFamily="18" charset="0"/>
+              </a:rPr>
+              <a:t>YOLO uses the </a:t>
+            </a:r>
+            <a:r>
+              <a:rPr lang="en-US" sz="3600" kern="0" dirty="0">
+                <a:solidFill>
+                  <a:srgbClr val="C00000"/>
+                </a:solidFill>
+                <a:latin typeface="Arial Narrow" panose="020B0606020202030204" pitchFamily="34" charset="0"/>
+                <a:cs typeface="Times New Roman" panose="02020603050405020304" pitchFamily="18" charset="0"/>
+              </a:rPr>
+              <a:t>global features</a:t>
+            </a:r>
+            <a:r>
+              <a:rPr lang="en-US" sz="3600" kern="0" dirty="0">
+                <a:latin typeface="Arial Narrow" panose="020B0606020202030204" pitchFamily="34" charset="0"/>
+                <a:cs typeface="Times New Roman" panose="02020603050405020304" pitchFamily="18" charset="0"/>
+              </a:rPr>
+              <a:t> from the entire image.</a:t>
+            </a:r>
+          </a:p>
+          <a:p>
+            <a:pPr algn="just" eaLnBrk="1" hangingPunct="1">
               <a:lnSpc>
                 <a:spcPct val="90000"/>
               </a:lnSpc>
@@ -6420,16 +6816,45 @@
               <a:spcAft>
                 <a:spcPts val="0"/>
               </a:spcAft>
-              <a:buFontTx/>
-              <a:buNone/>
             </a:pPr>
-            <a:endParaRPr lang="en-US" sz="3600" kern="0" dirty="0">
-              <a:latin typeface="Arial Narrow" panose="020B0606020202030204" pitchFamily="34" charset="0"/>
-              <a:cs typeface="Times New Roman" panose="02020603050405020304" pitchFamily="18" charset="0"/>
-            </a:endParaRPr>
-          </a:p>
-          <a:p>
-            <a:pPr marL="0" indent="0" algn="just" eaLnBrk="1" hangingPunct="1">
+            <a:r>
+              <a:rPr lang="en-US" sz="3600" kern="0" dirty="0">
+                <a:latin typeface="Arial Narrow" panose="020B0606020202030204" pitchFamily="34" charset="0"/>
+                <a:cs typeface="Times New Roman" panose="02020603050405020304" pitchFamily="18" charset="0"/>
+              </a:rPr>
+              <a:t>It splits image to an </a:t>
+            </a:r>
+            <a:r>
+              <a:rPr lang="en-US" sz="3600" b="1" kern="0" dirty="0">
+                <a:latin typeface="Arial Narrow" panose="020B0606020202030204" pitchFamily="34" charset="0"/>
+                <a:cs typeface="Times New Roman" panose="02020603050405020304" pitchFamily="18" charset="0"/>
+              </a:rPr>
+              <a:t>S×S grid</a:t>
+            </a:r>
+            <a:r>
+              <a:rPr lang="en-US" sz="3600" kern="0" dirty="0">
+                <a:latin typeface="Arial Narrow" panose="020B0606020202030204" pitchFamily="34" charset="0"/>
+                <a:cs typeface="Times New Roman" panose="02020603050405020304" pitchFamily="18" charset="0"/>
+              </a:rPr>
+              <a:t>, where each grid has </a:t>
+            </a:r>
+            <a:r>
+              <a:rPr lang="en-US" sz="3600" b="1" kern="0" dirty="0">
+                <a:latin typeface="Arial Narrow" panose="020B0606020202030204" pitchFamily="34" charset="0"/>
+                <a:cs typeface="Times New Roman" panose="02020603050405020304" pitchFamily="18" charset="0"/>
+              </a:rPr>
+              <a:t>B bounding boxes</a:t>
+            </a:r>
+            <a:r>
+              <a:rPr lang="en-US" sz="3600" kern="0" dirty="0">
+                <a:latin typeface="Arial Narrow" panose="020B0606020202030204" pitchFamily="34" charset="0"/>
+                <a:cs typeface="Times New Roman" panose="02020603050405020304" pitchFamily="18" charset="0"/>
+              </a:rPr>
+              <a:t> (X, Y, W and H and confidence of each object) with different dimensions for each grid.</a:t>
+            </a:r>
+          </a:p>
+          <a:p>
+            <a:pPr lvl="1" algn="just" eaLnBrk="1" hangingPunct="1">
               <a:lnSpc>
                 <a:spcPct val="90000"/>
               </a:lnSpc>
@@ -6439,77 +6864,85 @@
               <a:spcAft>
                 <a:spcPts val="0"/>
               </a:spcAft>
-              <a:buFontTx/>
-              <a:buNone/>
             </a:pPr>
             <a:r>
-              <a:rPr lang="en-US" sz="3600" kern="0" dirty="0">
+              <a:rPr lang="en-US" sz="3100" kern="0" dirty="0">
                 <a:latin typeface="Arial Narrow" panose="020B0606020202030204" pitchFamily="34" charset="0"/>
                 <a:cs typeface="Times New Roman" panose="02020603050405020304" pitchFamily="18" charset="0"/>
               </a:rPr>
-              <a:t>The number of classes changes the size of output tensor. For example for PASCAL VOC data set there are 20 classes so each grid in output tensor estimate 25 numbers for each bunding boxes (</a:t>
-            </a:r>
-            <a:r>
-              <a:rPr lang="en-US" sz="3600" kern="0" dirty="0">
-                <a:solidFill>
-                  <a:schemeClr val="tx1"/>
+              <a:t>The values of </a:t>
+            </a:r>
+            <a:r>
+              <a:rPr lang="en-US" sz="3100" kern="0" dirty="0">
+                <a:solidFill>
+                  <a:srgbClr val="376092"/>
                 </a:solidFill>
                 <a:latin typeface="Arial Narrow" panose="020B0606020202030204" pitchFamily="34" charset="0"/>
                 <a:cs typeface="Times New Roman" panose="02020603050405020304" pitchFamily="18" charset="0"/>
               </a:rPr>
-              <a:t>Figure.1). The out put image after passing through the network can be seen at Figure.2</a:t>
-            </a:r>
-            <a:r>
-              <a:rPr lang="en-US" sz="3600" b="1" kern="0" dirty="0">
-                <a:solidFill>
-                  <a:schemeClr val="tx1"/>
-                </a:solidFill>
+              <a:t>W</a:t>
+            </a:r>
+            <a:r>
+              <a:rPr lang="en-US" sz="3100" kern="0" dirty="0">
                 <a:latin typeface="Arial Narrow" panose="020B0606020202030204" pitchFamily="34" charset="0"/>
                 <a:cs typeface="Times New Roman" panose="02020603050405020304" pitchFamily="18" charset="0"/>
               </a:rPr>
-              <a:t> </a:t>
-            </a:r>
-            <a:r>
-              <a:rPr lang="en-US" sz="3600" kern="0" dirty="0">
-                <a:solidFill>
-                  <a:schemeClr val="tx1"/>
+              <a:t> and </a:t>
+            </a:r>
+            <a:r>
+              <a:rPr lang="en-US" sz="3100" kern="0" dirty="0">
+                <a:solidFill>
+                  <a:srgbClr val="C00000"/>
                 </a:solidFill>
                 <a:latin typeface="Arial Narrow" panose="020B0606020202030204" pitchFamily="34" charset="0"/>
                 <a:cs typeface="Times New Roman" panose="02020603050405020304" pitchFamily="18" charset="0"/>
               </a:rPr>
-              <a:t>.At the right-side of the next section the total architecture of YOLO V2 </a:t>
-            </a:r>
-            <a:r>
-              <a:rPr lang="en-US" sz="3600" kern="0" dirty="0">
+              <a:t>H</a:t>
+            </a:r>
+            <a:r>
+              <a:rPr lang="en-US" sz="3100" kern="0" dirty="0">
                 <a:latin typeface="Arial Narrow" panose="020B0606020202030204" pitchFamily="34" charset="0"/>
                 <a:cs typeface="Times New Roman" panose="02020603050405020304" pitchFamily="18" charset="0"/>
               </a:rPr>
-              <a:t>is shown. It has 23 layers convolutional neural network which is included convolutional layers, Max-polling layers and </a:t>
-            </a:r>
-            <a:r>
-              <a:rPr lang="en-US" sz="3600" kern="0" dirty="0" err="1">
+              <a:t> represent the </a:t>
+            </a:r>
+            <a:r>
+              <a:rPr lang="en-US" sz="3100" kern="0" dirty="0">
+                <a:solidFill>
+                  <a:srgbClr val="376092"/>
+                </a:solidFill>
                 <a:latin typeface="Arial Narrow" panose="020B0606020202030204" pitchFamily="34" charset="0"/>
                 <a:cs typeface="Times New Roman" panose="02020603050405020304" pitchFamily="18" charset="0"/>
               </a:rPr>
-              <a:t>ReLU</a:t>
-            </a:r>
-            <a:r>
-              <a:rPr lang="en-US" sz="3600" kern="0" dirty="0">
+              <a:t>width</a:t>
+            </a:r>
+            <a:r>
+              <a:rPr lang="en-US" sz="3100" kern="0" dirty="0">
                 <a:latin typeface="Arial Narrow" panose="020B0606020202030204" pitchFamily="34" charset="0"/>
                 <a:cs typeface="Times New Roman" panose="02020603050405020304" pitchFamily="18" charset="0"/>
               </a:rPr>
-              <a:t> activation function</a:t>
-            </a:r>
-            <a:endParaRPr lang="en-US" sz="3600" b="1" kern="0" dirty="0">
-              <a:solidFill>
-                <a:srgbClr val="FF0000"/>
-              </a:solidFill>
-              <a:latin typeface="Arial Narrow" panose="020B0606020202030204" pitchFamily="34" charset="0"/>
-              <a:cs typeface="Times New Roman" panose="02020603050405020304" pitchFamily="18" charset="0"/>
-            </a:endParaRPr>
-          </a:p>
-          <a:p>
-            <a:pPr marL="0" indent="0" algn="just" eaLnBrk="1" hangingPunct="1">
+              <a:t> and </a:t>
+            </a:r>
+            <a:r>
+              <a:rPr lang="en-US" sz="3100" kern="0" dirty="0">
+                <a:solidFill>
+                  <a:srgbClr val="C00000"/>
+                </a:solidFill>
+                <a:latin typeface="Arial Narrow" panose="020B0606020202030204" pitchFamily="34" charset="0"/>
+                <a:cs typeface="Times New Roman" panose="02020603050405020304" pitchFamily="18" charset="0"/>
+              </a:rPr>
+              <a:t>height</a:t>
+            </a:r>
+            <a:r>
+              <a:rPr lang="en-US" sz="3100" kern="0" dirty="0">
+                <a:latin typeface="Arial Narrow" panose="020B0606020202030204" pitchFamily="34" charset="0"/>
+                <a:cs typeface="Times New Roman" panose="02020603050405020304" pitchFamily="18" charset="0"/>
+              </a:rPr>
+              <a:t> of the box relative to the whole image.</a:t>
+            </a:r>
+          </a:p>
+          <a:p>
+            <a:pPr lvl="1" algn="just" eaLnBrk="1" hangingPunct="1">
               <a:lnSpc>
                 <a:spcPct val="90000"/>
               </a:lnSpc>
@@ -6519,9 +6952,202 @@
               <a:spcAft>
                 <a:spcPts val="0"/>
               </a:spcAft>
-              <a:buFontTx/>
-              <a:buNone/>
             </a:pPr>
+            <a:r>
+              <a:rPr lang="en-US" sz="3100" kern="0" dirty="0">
+                <a:latin typeface="Arial Narrow" panose="020B0606020202030204" pitchFamily="34" charset="0"/>
+                <a:cs typeface="Times New Roman" panose="02020603050405020304" pitchFamily="18" charset="0"/>
+              </a:rPr>
+              <a:t>The values of (X, Y) represent the </a:t>
+            </a:r>
+            <a:r>
+              <a:rPr lang="en-US" sz="3100" kern="0" dirty="0">
+                <a:solidFill>
+                  <a:srgbClr val="C00000"/>
+                </a:solidFill>
+                <a:latin typeface="Arial Narrow" panose="020B0606020202030204" pitchFamily="34" charset="0"/>
+                <a:cs typeface="Times New Roman" panose="02020603050405020304" pitchFamily="18" charset="0"/>
+              </a:rPr>
+              <a:t>center coordinates</a:t>
+            </a:r>
+            <a:r>
+              <a:rPr lang="en-US" sz="3100" kern="0" dirty="0">
+                <a:latin typeface="Arial Narrow" panose="020B0606020202030204" pitchFamily="34" charset="0"/>
+                <a:cs typeface="Times New Roman" panose="02020603050405020304" pitchFamily="18" charset="0"/>
+              </a:rPr>
+              <a:t> of the box relative to the bounds of the grid cell.</a:t>
+            </a:r>
+          </a:p>
+          <a:p>
+            <a:pPr lvl="1" algn="just" eaLnBrk="1" hangingPunct="1">
+              <a:lnSpc>
+                <a:spcPct val="90000"/>
+              </a:lnSpc>
+              <a:spcBef>
+                <a:spcPts val="1575"/>
+              </a:spcBef>
+              <a:spcAft>
+                <a:spcPts val="0"/>
+              </a:spcAft>
+            </a:pPr>
+            <a:r>
+              <a:rPr lang="en-US" sz="3100" kern="0" dirty="0">
+                <a:latin typeface="Arial Narrow" panose="020B0606020202030204" pitchFamily="34" charset="0"/>
+                <a:cs typeface="Times New Roman" panose="02020603050405020304" pitchFamily="18" charset="0"/>
+              </a:rPr>
+              <a:t>The object’s confidence represents the </a:t>
+            </a:r>
+            <a:r>
+              <a:rPr lang="en-US" sz="3100" kern="0" dirty="0">
+                <a:solidFill>
+                  <a:srgbClr val="C00000"/>
+                </a:solidFill>
+                <a:latin typeface="Arial Narrow" panose="020B0606020202030204" pitchFamily="34" charset="0"/>
+                <a:cs typeface="Times New Roman" panose="02020603050405020304" pitchFamily="18" charset="0"/>
+              </a:rPr>
+              <a:t>reliability</a:t>
+            </a:r>
+            <a:r>
+              <a:rPr lang="en-US" sz="3100" kern="0" dirty="0">
+                <a:latin typeface="Arial Narrow" panose="020B0606020202030204" pitchFamily="34" charset="0"/>
+                <a:cs typeface="Times New Roman" panose="02020603050405020304" pitchFamily="18" charset="0"/>
+              </a:rPr>
+              <a:t> of existing object in the box, defined as follows: (In Figure </a:t>
+            </a:r>
+            <a:r>
+              <a:rPr lang="en-US" sz="3100" kern="0" dirty="0">
+                <a:solidFill>
+                  <a:schemeClr val="tx1"/>
+                </a:solidFill>
+                <a:latin typeface="Arial Narrow" panose="020B0606020202030204" pitchFamily="34" charset="0"/>
+                <a:cs typeface="Times New Roman" panose="02020603050405020304" pitchFamily="18" charset="0"/>
+              </a:rPr>
+              <a:t>4,</a:t>
+            </a:r>
+            <a:r>
+              <a:rPr lang="en-US" sz="3100" kern="0" dirty="0">
+                <a:latin typeface="Arial Narrow" panose="020B0606020202030204" pitchFamily="34" charset="0"/>
+                <a:cs typeface="Times New Roman" panose="02020603050405020304" pitchFamily="18" charset="0"/>
+              </a:rPr>
+              <a:t> this formula is used)</a:t>
+            </a:r>
+          </a:p>
+          <a:p>
+            <a:pPr algn="just" eaLnBrk="1" hangingPunct="1">
+              <a:lnSpc>
+                <a:spcPct val="90000"/>
+              </a:lnSpc>
+              <a:spcBef>
+                <a:spcPts val="1575"/>
+              </a:spcBef>
+              <a:spcAft>
+                <a:spcPts val="0"/>
+              </a:spcAft>
+            </a:pPr>
+            <a:endParaRPr lang="en-US" sz="3600" kern="0" dirty="0">
+              <a:latin typeface="Arial Narrow" panose="020B0606020202030204" pitchFamily="34" charset="0"/>
+              <a:cs typeface="Times New Roman" panose="02020603050405020304" pitchFamily="18" charset="0"/>
+            </a:endParaRPr>
+          </a:p>
+          <a:p>
+            <a:pPr algn="just" eaLnBrk="1" hangingPunct="1">
+              <a:lnSpc>
+                <a:spcPct val="90000"/>
+              </a:lnSpc>
+              <a:spcBef>
+                <a:spcPts val="1575"/>
+              </a:spcBef>
+              <a:spcAft>
+                <a:spcPts val="0"/>
+              </a:spcAft>
+            </a:pPr>
+            <a:r>
+              <a:rPr lang="en-US" sz="3600" kern="0" dirty="0">
+                <a:latin typeface="Arial Narrow" panose="020B0606020202030204" pitchFamily="34" charset="0"/>
+                <a:cs typeface="Times New Roman" panose="02020603050405020304" pitchFamily="18" charset="0"/>
+              </a:rPr>
+              <a:t>The number of classes changes the size of the output tensor.</a:t>
+            </a:r>
+          </a:p>
+          <a:p>
+            <a:pPr lvl="1" algn="just" eaLnBrk="1" hangingPunct="1">
+              <a:lnSpc>
+                <a:spcPct val="90000"/>
+              </a:lnSpc>
+              <a:spcBef>
+                <a:spcPts val="1575"/>
+              </a:spcBef>
+              <a:spcAft>
+                <a:spcPts val="0"/>
+              </a:spcAft>
+            </a:pPr>
+            <a:r>
+              <a:rPr lang="en-US" sz="3100" kern="0" dirty="0">
+                <a:latin typeface="Arial Narrow" panose="020B0606020202030204" pitchFamily="34" charset="0"/>
+                <a:cs typeface="Times New Roman" panose="02020603050405020304" pitchFamily="18" charset="0"/>
+              </a:rPr>
+              <a:t>Example: For </a:t>
+            </a:r>
+            <a:r>
+              <a:rPr lang="en-US" sz="3100" kern="0" dirty="0">
+                <a:solidFill>
+                  <a:srgbClr val="C00000"/>
+                </a:solidFill>
+                <a:latin typeface="Arial Narrow" panose="020B0606020202030204" pitchFamily="34" charset="0"/>
+                <a:cs typeface="Times New Roman" panose="02020603050405020304" pitchFamily="18" charset="0"/>
+              </a:rPr>
+              <a:t>PASCAL VOC data set</a:t>
+            </a:r>
+            <a:r>
+              <a:rPr lang="en-US" sz="3100" kern="0" dirty="0">
+                <a:latin typeface="Arial Narrow" panose="020B0606020202030204" pitchFamily="34" charset="0"/>
+                <a:cs typeface="Times New Roman" panose="02020603050405020304" pitchFamily="18" charset="0"/>
+              </a:rPr>
+              <a:t>, there are 20 classes so each grid in the output tensor estimates 25 numbers for each bunding boxes (</a:t>
+            </a:r>
+            <a:r>
+              <a:rPr lang="en-US" sz="3100" kern="0" dirty="0">
+                <a:solidFill>
+                  <a:schemeClr val="tx1"/>
+                </a:solidFill>
+                <a:latin typeface="Arial Narrow" panose="020B0606020202030204" pitchFamily="34" charset="0"/>
+                <a:cs typeface="Times New Roman" panose="02020603050405020304" pitchFamily="18" charset="0"/>
+              </a:rPr>
+              <a:t>Figure 1).</a:t>
+            </a:r>
+          </a:p>
+          <a:p>
+            <a:pPr algn="just" eaLnBrk="1" hangingPunct="1">
+              <a:lnSpc>
+                <a:spcPct val="90000"/>
+              </a:lnSpc>
+              <a:spcBef>
+                <a:spcPts val="1575"/>
+              </a:spcBef>
+              <a:spcAft>
+                <a:spcPts val="0"/>
+              </a:spcAft>
+            </a:pPr>
+            <a:r>
+              <a:rPr lang="en-US" sz="3600" kern="0" dirty="0">
+                <a:solidFill>
+                  <a:schemeClr val="tx1"/>
+                </a:solidFill>
+                <a:latin typeface="Arial Narrow" panose="020B0606020202030204" pitchFamily="34" charset="0"/>
+                <a:cs typeface="Times New Roman" panose="02020603050405020304" pitchFamily="18" charset="0"/>
+              </a:rPr>
+              <a:t>The output image after passing through the network can be seen in Figure 2</a:t>
+            </a:r>
+            <a:r>
+              <a:rPr lang="en-US" sz="3600" b="1" kern="0" dirty="0">
+                <a:solidFill>
+                  <a:schemeClr val="tx1"/>
+                </a:solidFill>
+                <a:latin typeface="Arial Narrow" panose="020B0606020202030204" pitchFamily="34" charset="0"/>
+                <a:cs typeface="Times New Roman" panose="02020603050405020304" pitchFamily="18" charset="0"/>
+              </a:rPr>
+              <a:t>.</a:t>
+            </a:r>
             <a:endParaRPr lang="en-US" sz="3900" b="1" kern="0" dirty="0">
               <a:latin typeface="Arial Narrow" panose="020B0606020202030204" pitchFamily="34" charset="0"/>
               <a:ea typeface="Tahoma" pitchFamily="34" charset="0"/>
@@ -6544,8 +7170,8 @@
         </p:nvSpPr>
         <p:spPr>
           <a:xfrm>
-            <a:off x="12253798" y="12966011"/>
-            <a:ext cx="3109425" cy="1323439"/>
+            <a:off x="11811000" y="13792200"/>
+            <a:ext cx="3820848" cy="2015936"/>
           </a:xfrm>
           <a:prstGeom prst="rect">
             <a:avLst/>
@@ -6562,12 +7188,31 @@
               <a:buNone/>
             </a:pPr>
             <a:r>
-              <a:rPr lang="en-US" sz="2000" b="1" dirty="0"/>
-              <a:t>Figure1. </a:t>
-            </a:r>
-            <a:r>
-              <a:rPr lang="en-US" sz="2000" dirty="0"/>
-              <a:t>Each grid cell estimate these number for a detector with 20 classes of PASCAL VOC dataset [1] </a:t>
+              <a:rPr lang="en-US" sz="2500" b="1" dirty="0">
+                <a:latin typeface="+mn-lt"/>
+              </a:rPr>
+              <a:t>Figure 1. </a:t>
+            </a:r>
+            <a:r>
+              <a:rPr lang="en-US" sz="2500" dirty="0">
+                <a:latin typeface="+mn-lt"/>
+              </a:rPr>
+              <a:t>Each grid cell estimates these numbers for a detector with 20 classes of </a:t>
+            </a:r>
+            <a:r>
+              <a:rPr lang="en-US" sz="2500" dirty="0">
+                <a:solidFill>
+                  <a:srgbClr val="C00000"/>
+                </a:solidFill>
+                <a:latin typeface="+mn-lt"/>
+              </a:rPr>
+              <a:t>PASCAL VOC dataset</a:t>
+            </a:r>
+            <a:r>
+              <a:rPr lang="en-US" sz="2500" dirty="0">
+                <a:latin typeface="+mn-lt"/>
+              </a:rPr>
+              <a:t> [1].</a:t>
             </a:r>
           </a:p>
         </p:txBody>
@@ -6645,8 +7290,8 @@
         </p:blipFill>
         <p:spPr>
           <a:xfrm>
-            <a:off x="28946512" y="6820266"/>
-            <a:ext cx="3990558" cy="25325213"/>
+            <a:off x="29003244" y="6705600"/>
+            <a:ext cx="4067556" cy="25465948"/>
           </a:xfrm>
           <a:prstGeom prst="rect">
             <a:avLst/>
@@ -6716,8 +7361,8 @@
         </p:blipFill>
         <p:spPr>
           <a:xfrm>
-            <a:off x="24795216" y="7768030"/>
-            <a:ext cx="4372374" cy="2029800"/>
+            <a:off x="24795216" y="7768029"/>
+            <a:ext cx="4462620" cy="2071695"/>
           </a:xfrm>
           <a:prstGeom prst="rect">
             <a:avLst/>
@@ -6968,8 +7613,8 @@
         </p:nvSpPr>
         <p:spPr bwMode="auto">
           <a:xfrm>
-            <a:off x="12015701" y="21261568"/>
-            <a:ext cx="16840119" cy="12259325"/>
+            <a:off x="12015701" y="22023568"/>
+            <a:ext cx="16840119" cy="10299301"/>
           </a:xfrm>
           <a:prstGeom prst="rect">
             <a:avLst/>
@@ -7177,7 +7822,58 @@
                 <a:latin typeface="Arial Narrow" panose="020B0606020202030204" pitchFamily="34" charset="0"/>
                 <a:cs typeface="Times New Roman" panose="02020603050405020304" pitchFamily="18" charset="0"/>
               </a:rPr>
-              <a:t>While training YOLOv2, different object sizes had different effects on the whole model, which resulted in larger errors for larger-sized objects than for smaller-sized objects. In order to reduce this influence, the loss calculation for the width and height of the bounding boxes was improved using normalization. The loss function is shown in following Equation [4]:</a:t>
+              <a:t>While </a:t>
+            </a:r>
+            <a:r>
+              <a:rPr lang="en-US" sz="3600" kern="0" dirty="0">
+                <a:solidFill>
+                  <a:srgbClr val="C00000"/>
+                </a:solidFill>
+                <a:latin typeface="Arial Narrow" panose="020B0606020202030204" pitchFamily="34" charset="0"/>
+                <a:cs typeface="Times New Roman" panose="02020603050405020304" pitchFamily="18" charset="0"/>
+              </a:rPr>
+              <a:t>training YOLOv2</a:t>
+            </a:r>
+            <a:r>
+              <a:rPr lang="en-US" sz="3600" kern="0" dirty="0">
+                <a:latin typeface="Arial Narrow" panose="020B0606020202030204" pitchFamily="34" charset="0"/>
+                <a:cs typeface="Times New Roman" panose="02020603050405020304" pitchFamily="18" charset="0"/>
+              </a:rPr>
+              <a:t>, different object sizes had different effects on the whole model, which resulted in </a:t>
+            </a:r>
+            <a:r>
+              <a:rPr lang="en-US" sz="3600" kern="0" dirty="0">
+                <a:solidFill>
+                  <a:srgbClr val="C00000"/>
+                </a:solidFill>
+                <a:latin typeface="Arial Narrow" panose="020B0606020202030204" pitchFamily="34" charset="0"/>
+                <a:cs typeface="Times New Roman" panose="02020603050405020304" pitchFamily="18" charset="0"/>
+              </a:rPr>
+              <a:t>larger errors for larger-sized objects</a:t>
+            </a:r>
+            <a:r>
+              <a:rPr lang="en-US" sz="3600" kern="0" dirty="0">
+                <a:latin typeface="Arial Narrow" panose="020B0606020202030204" pitchFamily="34" charset="0"/>
+                <a:cs typeface="Times New Roman" panose="02020603050405020304" pitchFamily="18" charset="0"/>
+              </a:rPr>
+              <a:t>. In order to reduce this influence, the loss calculation for the width and height of the bounding boxes was improved using </a:t>
+            </a:r>
+            <a:r>
+              <a:rPr lang="en-US" sz="3600" b="1" kern="0" dirty="0">
+                <a:solidFill>
+                  <a:srgbClr val="C00000"/>
+                </a:solidFill>
+                <a:latin typeface="Arial Narrow" panose="020B0606020202030204" pitchFamily="34" charset="0"/>
+                <a:cs typeface="Times New Roman" panose="02020603050405020304" pitchFamily="18" charset="0"/>
+              </a:rPr>
+              <a:t>normalization</a:t>
+            </a:r>
+            <a:r>
+              <a:rPr lang="en-US" sz="3600" kern="0" dirty="0">
+                <a:latin typeface="Arial Narrow" panose="020B0606020202030204" pitchFamily="34" charset="0"/>
+                <a:cs typeface="Times New Roman" panose="02020603050405020304" pitchFamily="18" charset="0"/>
+              </a:rPr>
+              <a:t>. The loss function is shown in the following Equation [4]:</a:t>
             </a:r>
             <a:endParaRPr lang="en-US" sz="3900" b="1" kern="0" dirty="0">
               <a:latin typeface="Arial Narrow" panose="020B0606020202030204" pitchFamily="34" charset="0"/>
@@ -7215,7 +7911,7 @@
         </p:blipFill>
         <p:spPr>
           <a:xfrm>
-            <a:off x="34317466" y="17722189"/>
+            <a:off x="34352381" y="17602200"/>
             <a:ext cx="8082314" cy="5388209"/>
           </a:xfrm>
           <a:prstGeom prst="rect">
@@ -7250,7 +7946,7 @@
         </p:blipFill>
         <p:spPr>
           <a:xfrm>
-            <a:off x="34330188" y="6957427"/>
+            <a:off x="34358742" y="6858000"/>
             <a:ext cx="8069592" cy="9724064"/>
           </a:xfrm>
           <a:prstGeom prst="rect">
@@ -7286,7 +7982,7 @@
         </p:blipFill>
         <p:spPr>
           <a:xfrm>
-            <a:off x="34321306" y="23865319"/>
+            <a:off x="34304774" y="23865319"/>
             <a:ext cx="8177528" cy="4178486"/>
           </a:xfrm>
           <a:prstGeom prst="rect">
@@ -7315,8 +8011,8 @@
         </p:blipFill>
         <p:spPr>
           <a:xfrm>
-            <a:off x="2971800" y="27020521"/>
-            <a:ext cx="6553201" cy="506078"/>
+            <a:off x="2349503" y="28080243"/>
+            <a:ext cx="7393319" cy="570957"/>
           </a:xfrm>
           <a:prstGeom prst="rect">
             <a:avLst/>
@@ -7345,8 +8041,8 @@
         </p:blipFill>
         <p:spPr>
           <a:xfrm>
-            <a:off x="15640820" y="17375372"/>
-            <a:ext cx="10391297" cy="3119302"/>
+            <a:off x="15825641" y="18164894"/>
+            <a:ext cx="10487317" cy="3148126"/>
           </a:xfrm>
           <a:prstGeom prst="rect">
             <a:avLst/>
@@ -7375,8 +8071,8 @@
         </p:blipFill>
         <p:spPr>
           <a:xfrm>
-            <a:off x="12784476" y="7146728"/>
-            <a:ext cx="2220991" cy="5703567"/>
+            <a:off x="12383495" y="6903947"/>
+            <a:ext cx="2675859" cy="6871681"/>
           </a:xfrm>
           <a:prstGeom prst="rect">
             <a:avLst/>
@@ -7397,8 +8093,8 @@
         </p:nvSpPr>
         <p:spPr>
           <a:xfrm>
-            <a:off x="16427599" y="10522925"/>
-            <a:ext cx="8016324" cy="1015663"/>
+            <a:off x="15240000" y="10871537"/>
+            <a:ext cx="10972800" cy="1246495"/>
           </a:xfrm>
           <a:prstGeom prst="rect">
             <a:avLst/>
@@ -7415,12 +8111,88 @@
               <a:buNone/>
             </a:pPr>
             <a:r>
-              <a:rPr lang="en-US" sz="2000" b="1" dirty="0"/>
-              <a:t>Figure2. </a:t>
-            </a:r>
-            <a:r>
-              <a:rPr lang="en-US" sz="2000" dirty="0"/>
-              <a:t>The output tensor by considering 7 by 7 grid cell and 2 bounding boxes and 20 classes of objects [2]. (this is just an example for output tensor we have used 13 by 13 grid cells with 5 bounding boxes in this project.)</a:t>
+              <a:rPr lang="en-US" sz="2500" b="1" dirty="0">
+                <a:latin typeface="+mn-lt"/>
+              </a:rPr>
+              <a:t>Figure 2. </a:t>
+            </a:r>
+            <a:r>
+              <a:rPr lang="en-US" sz="2500" dirty="0">
+                <a:solidFill>
+                  <a:srgbClr val="C00000"/>
+                </a:solidFill>
+                <a:latin typeface="+mn-lt"/>
+              </a:rPr>
+              <a:t>Example</a:t>
+            </a:r>
+            <a:r>
+              <a:rPr lang="en-US" sz="2500" b="1" dirty="0">
+                <a:solidFill>
+                  <a:srgbClr val="C00000"/>
+                </a:solidFill>
+                <a:latin typeface="+mn-lt"/>
+              </a:rPr>
+              <a:t> </a:t>
+            </a:r>
+            <a:r>
+              <a:rPr lang="en-US" sz="2500" dirty="0">
+                <a:solidFill>
+                  <a:srgbClr val="C00000"/>
+                </a:solidFill>
+                <a:latin typeface="+mn-lt"/>
+              </a:rPr>
+              <a:t>output tensor</a:t>
+            </a:r>
+            <a:r>
+              <a:rPr lang="en-US" sz="2500" dirty="0">
+                <a:latin typeface="+mn-lt"/>
+              </a:rPr>
+              <a:t> by considering a </a:t>
+            </a:r>
+            <a:r>
+              <a:rPr lang="en-US" sz="2500" dirty="0">
+                <a:solidFill>
+                  <a:srgbClr val="C00000"/>
+                </a:solidFill>
+                <a:latin typeface="+mn-lt"/>
+              </a:rPr>
+              <a:t>7x7 grid cell</a:t>
+            </a:r>
+            <a:r>
+              <a:rPr lang="en-US" sz="2500" dirty="0">
+                <a:latin typeface="+mn-lt"/>
+              </a:rPr>
+              <a:t> and </a:t>
+            </a:r>
+            <a:r>
+              <a:rPr lang="en-US" sz="2500" dirty="0">
+                <a:solidFill>
+                  <a:srgbClr val="C00000"/>
+                </a:solidFill>
+                <a:latin typeface="+mn-lt"/>
+              </a:rPr>
+              <a:t>2 bounding boxes</a:t>
+            </a:r>
+            <a:r>
+              <a:rPr lang="en-US" sz="2500" dirty="0">
+                <a:latin typeface="+mn-lt"/>
+              </a:rPr>
+              <a:t> and </a:t>
+            </a:r>
+            <a:r>
+              <a:rPr lang="en-US" sz="2500" dirty="0">
+                <a:solidFill>
+                  <a:srgbClr val="C00000"/>
+                </a:solidFill>
+                <a:latin typeface="+mn-lt"/>
+              </a:rPr>
+              <a:t>20 classes</a:t>
+            </a:r>
+            <a:r>
+              <a:rPr lang="en-US" sz="2500" dirty="0">
+                <a:latin typeface="+mn-lt"/>
+              </a:rPr>
+              <a:t> of objects [2]. This is just an example output tensor. We have used 13x13 grid cells with 5 bounding boxes in this project.</a:t>
             </a:r>
           </a:p>
         </p:txBody>
@@ -7454,8 +8226,8 @@
         </p:blipFill>
         <p:spPr bwMode="auto">
           <a:xfrm>
-            <a:off x="17363513" y="6887536"/>
-            <a:ext cx="5546559" cy="3600220"/>
+            <a:off x="17500534" y="6705600"/>
+            <a:ext cx="6451732" cy="4187760"/>
           </a:xfrm>
           <a:prstGeom prst="rect">
             <a:avLst/>
@@ -7501,8 +8273,8 @@
         </p:blipFill>
         <p:spPr bwMode="auto">
           <a:xfrm>
-            <a:off x="15733663" y="11189716"/>
-            <a:ext cx="13243586" cy="4908404"/>
+            <a:off x="15544800" y="12073128"/>
+            <a:ext cx="14325600" cy="5300472"/>
           </a:xfrm>
           <a:prstGeom prst="rect">
             <a:avLst/>
@@ -7519,90 +8291,6 @@
           </a:extLst>
         </p:spPr>
       </p:pic>
-      <p:sp>
-        <p:nvSpPr>
-          <p:cNvPr id="83" name="TextBox 82">
-            <a:extLst>
-              <a:ext uri="{FF2B5EF4-FFF2-40B4-BE49-F238E27FC236}">
-                <a16:creationId xmlns:a16="http://schemas.microsoft.com/office/drawing/2014/main" id="{F25EF619-8B47-44BE-8B06-570BDA631303}"/>
-              </a:ext>
-            </a:extLst>
-          </p:cNvPr>
-          <p:cNvSpPr txBox="1"/>
-          <p:nvPr/>
-        </p:nvSpPr>
-        <p:spPr>
-          <a:xfrm>
-            <a:off x="16174459" y="16002405"/>
-            <a:ext cx="12271887" cy="707886"/>
-          </a:xfrm>
-          <a:prstGeom prst="rect">
-            <a:avLst/>
-          </a:prstGeom>
-          <a:noFill/>
-        </p:spPr>
-        <p:txBody>
-          <a:bodyPr wrap="square" rtlCol="0">
-            <a:spAutoFit/>
-          </a:bodyPr>
-          <a:lstStyle/>
-          <a:p>
-            <a:pPr algn="ctr">
-              <a:buNone/>
-            </a:pPr>
-            <a:r>
-              <a:rPr lang="en-US" sz="2000" b="1" dirty="0"/>
-              <a:t>Figure3. </a:t>
-            </a:r>
-            <a:r>
-              <a:rPr lang="en-US" sz="2000" dirty="0"/>
-              <a:t>The final output picture after passing through the network. It is for YOLO V1 (It is used just for displaying the entire model.) [2].</a:t>
-            </a:r>
-          </a:p>
-        </p:txBody>
-      </p:sp>
-      <p:sp>
-        <p:nvSpPr>
-          <p:cNvPr id="86" name="TextBox 85">
-            <a:extLst>
-              <a:ext uri="{FF2B5EF4-FFF2-40B4-BE49-F238E27FC236}">
-                <a16:creationId xmlns:a16="http://schemas.microsoft.com/office/drawing/2014/main" id="{6E1ACEA8-559B-4E62-A775-2CDD9D1540C7}"/>
-              </a:ext>
-            </a:extLst>
-          </p:cNvPr>
-          <p:cNvSpPr txBox="1"/>
-          <p:nvPr/>
-        </p:nvSpPr>
-        <p:spPr>
-          <a:xfrm>
-            <a:off x="16250873" y="20628599"/>
-            <a:ext cx="9733626" cy="400110"/>
-          </a:xfrm>
-          <a:prstGeom prst="rect">
-            <a:avLst/>
-          </a:prstGeom>
-          <a:noFill/>
-        </p:spPr>
-        <p:txBody>
-          <a:bodyPr wrap="square" rtlCol="0">
-            <a:spAutoFit/>
-          </a:bodyPr>
-          <a:lstStyle/>
-          <a:p>
-            <a:pPr algn="ctr">
-              <a:buNone/>
-            </a:pPr>
-            <a:r>
-              <a:rPr lang="en-US" sz="2000" b="1" dirty="0"/>
-              <a:t>Figure4. </a:t>
-            </a:r>
-            <a:r>
-              <a:rPr lang="en-US" sz="2000" dirty="0"/>
-              <a:t>Calculate the confidence score and thresholding the objects [2].</a:t>
-            </a:r>
-          </a:p>
-        </p:txBody>
-      </p:sp>
       <p:pic>
         <p:nvPicPr>
           <p:cNvPr id="71" name="Picture 70">
@@ -7617,22 +8305,158 @@
           </p:cNvPicPr>
           <p:nvPr/>
         </p:nvPicPr>
-        <p:blipFill>
+        <p:blipFill rotWithShape="1">
           <a:blip r:embed="rId15"/>
-          <a:stretch>
-            <a:fillRect/>
-          </a:stretch>
+          <a:srcRect l="5978" t="3693" r="4010" b="4210"/>
+          <a:stretch/>
         </p:blipFill>
         <p:spPr>
           <a:xfrm>
-            <a:off x="12357021" y="23976530"/>
-            <a:ext cx="7290336" cy="6453739"/>
+            <a:off x="11963399" y="24079201"/>
+            <a:ext cx="8581243" cy="7772400"/>
           </a:xfrm>
           <a:prstGeom prst="rect">
             <a:avLst/>
           </a:prstGeom>
         </p:spPr>
       </p:pic>
+      <p:sp>
+        <p:nvSpPr>
+          <p:cNvPr id="83" name="TextBox 82">
+            <a:extLst>
+              <a:ext uri="{FF2B5EF4-FFF2-40B4-BE49-F238E27FC236}">
+                <a16:creationId xmlns:a16="http://schemas.microsoft.com/office/drawing/2014/main" id="{F25EF619-8B47-44BE-8B06-570BDA631303}"/>
+              </a:ext>
+            </a:extLst>
+          </p:cNvPr>
+          <p:cNvSpPr txBox="1"/>
+          <p:nvPr/>
+        </p:nvSpPr>
+        <p:spPr>
+          <a:xfrm>
+            <a:off x="17511952" y="17199114"/>
+            <a:ext cx="10391297" cy="861774"/>
+          </a:xfrm>
+          <a:prstGeom prst="rect">
+            <a:avLst/>
+          </a:prstGeom>
+          <a:noFill/>
+        </p:spPr>
+        <p:txBody>
+          <a:bodyPr wrap="square" rtlCol="0">
+            <a:spAutoFit/>
+          </a:bodyPr>
+          <a:lstStyle/>
+          <a:p>
+            <a:pPr algn="ctr">
+              <a:buNone/>
+            </a:pPr>
+            <a:r>
+              <a:rPr lang="en-US" sz="2500" b="1" dirty="0">
+                <a:latin typeface="+mn-lt"/>
+              </a:rPr>
+              <a:t>Figure 3.</a:t>
+            </a:r>
+            <a:r>
+              <a:rPr lang="en-US" sz="2500" dirty="0">
+                <a:latin typeface="+mn-lt"/>
+              </a:rPr>
+              <a:t> </a:t>
+            </a:r>
+            <a:r>
+              <a:rPr lang="en-US" sz="2500" dirty="0">
+                <a:solidFill>
+                  <a:srgbClr val="C00000"/>
+                </a:solidFill>
+                <a:latin typeface="+mn-lt"/>
+              </a:rPr>
+              <a:t>Final output picture</a:t>
+            </a:r>
+            <a:r>
+              <a:rPr lang="en-US" sz="2500" dirty="0">
+                <a:latin typeface="+mn-lt"/>
+              </a:rPr>
+              <a:t> after passing through the network. It is produced by YOLO V1, used just to display the entire model [2].</a:t>
+            </a:r>
+          </a:p>
+        </p:txBody>
+      </p:sp>
+      <p:sp>
+        <p:nvSpPr>
+          <p:cNvPr id="86" name="TextBox 85">
+            <a:extLst>
+              <a:ext uri="{FF2B5EF4-FFF2-40B4-BE49-F238E27FC236}">
+                <a16:creationId xmlns:a16="http://schemas.microsoft.com/office/drawing/2014/main" id="{6E1ACEA8-559B-4E62-A775-2CDD9D1540C7}"/>
+              </a:ext>
+            </a:extLst>
+          </p:cNvPr>
+          <p:cNvSpPr txBox="1"/>
+          <p:nvPr/>
+        </p:nvSpPr>
+        <p:spPr>
+          <a:xfrm>
+            <a:off x="15733222" y="21392346"/>
+            <a:ext cx="10672155" cy="477054"/>
+          </a:xfrm>
+          <a:prstGeom prst="rect">
+            <a:avLst/>
+          </a:prstGeom>
+          <a:noFill/>
+        </p:spPr>
+        <p:txBody>
+          <a:bodyPr wrap="square" rtlCol="0">
+            <a:spAutoFit/>
+          </a:bodyPr>
+          <a:lstStyle/>
+          <a:p>
+            <a:pPr algn="ctr">
+              <a:buNone/>
+            </a:pPr>
+            <a:r>
+              <a:rPr lang="en-US" sz="2500" b="1" dirty="0">
+                <a:latin typeface="+mn-lt"/>
+              </a:rPr>
+              <a:t>Figure 4. </a:t>
+            </a:r>
+            <a:r>
+              <a:rPr lang="en-US" sz="2500" dirty="0">
+                <a:latin typeface="+mn-lt"/>
+              </a:rPr>
+              <a:t>Calculate the </a:t>
+            </a:r>
+            <a:r>
+              <a:rPr lang="en-US" sz="2500" dirty="0">
+                <a:solidFill>
+                  <a:srgbClr val="C00000"/>
+                </a:solidFill>
+                <a:latin typeface="+mn-lt"/>
+              </a:rPr>
+              <a:t>confidence score</a:t>
+            </a:r>
+            <a:r>
+              <a:rPr lang="en-US" sz="2500" dirty="0">
+                <a:latin typeface="+mn-lt"/>
+              </a:rPr>
+              <a:t> and </a:t>
+            </a:r>
+            <a:r>
+              <a:rPr lang="en-US" sz="2500" dirty="0">
+                <a:solidFill>
+                  <a:srgbClr val="C00000"/>
+                </a:solidFill>
+                <a:latin typeface="+mn-lt"/>
+              </a:rPr>
+              <a:t>thresholding</a:t>
+            </a:r>
+            <a:r>
+              <a:rPr lang="en-US" sz="2500" dirty="0">
+                <a:latin typeface="+mn-lt"/>
+              </a:rPr>
+              <a:t> the objects [2].</a:t>
+            </a:r>
+          </a:p>
+        </p:txBody>
+      </p:sp>
       <p:sp>
         <p:nvSpPr>
           <p:cNvPr id="91" name="TextBox 90">
@@ -7647,8 +8471,8 @@
         </p:nvSpPr>
         <p:spPr>
           <a:xfrm>
-            <a:off x="34274398" y="16693345"/>
-            <a:ext cx="7742322" cy="707886"/>
+            <a:off x="34522377" y="16611600"/>
+            <a:ext cx="7742322" cy="861774"/>
           </a:xfrm>
           <a:prstGeom prst="rect">
             <a:avLst/>
@@ -7665,11 +8489,15 @@
               <a:buNone/>
             </a:pPr>
             <a:r>
-              <a:rPr lang="en-US" sz="2000" b="1" dirty="0"/>
-              <a:t>Figure5. </a:t>
-            </a:r>
-            <a:r>
-              <a:rPr lang="en-US" sz="2000" dirty="0"/>
+              <a:rPr lang="en-US" sz="2500" b="1" dirty="0">
+                <a:latin typeface="+mn-lt"/>
+              </a:rPr>
+              <a:t>Figure 5. </a:t>
+            </a:r>
+            <a:r>
+              <a:rPr lang="en-US" sz="2500" dirty="0">
+                <a:latin typeface="+mn-lt"/>
+              </a:rPr>
               <a:t>The result of implemented model on the Microsoft Kinect at the University of Detroit Mercy.</a:t>
             </a:r>
           </a:p>
@@ -7689,8 +8517,8 @@
         </p:nvSpPr>
         <p:spPr>
           <a:xfrm>
-            <a:off x="34288242" y="23077413"/>
-            <a:ext cx="8069592" cy="707886"/>
+            <a:off x="34358742" y="22957424"/>
+            <a:ext cx="8069592" cy="861774"/>
           </a:xfrm>
           <a:prstGeom prst="rect">
             <a:avLst/>
@@ -7707,12 +8535,16 @@
               <a:buNone/>
             </a:pPr>
             <a:r>
-              <a:rPr lang="en-US" sz="2000" b="1" dirty="0"/>
-              <a:t>Figure6. </a:t>
-            </a:r>
-            <a:r>
-              <a:rPr lang="en-US" sz="2000" dirty="0"/>
-              <a:t>Human detection in a picture form Chinese students at University of Detroit Mercy.</a:t>
+              <a:rPr lang="en-US" sz="2500" b="1" dirty="0">
+                <a:latin typeface="+mn-lt"/>
+              </a:rPr>
+              <a:t>Figure 6. </a:t>
+            </a:r>
+            <a:r>
+              <a:rPr lang="en-US" sz="2500" dirty="0">
+                <a:latin typeface="+mn-lt"/>
+              </a:rPr>
+              <a:t>Human detection in a picture form our students at the University of Detroit Mercy.</a:t>
             </a:r>
           </a:p>
         </p:txBody>
@@ -7731,8 +8563,8 @@
         </p:nvSpPr>
         <p:spPr>
           <a:xfrm>
-            <a:off x="34317466" y="28036774"/>
-            <a:ext cx="8181368" cy="707886"/>
+            <a:off x="34302854" y="28036774"/>
+            <a:ext cx="8181368" cy="861774"/>
           </a:xfrm>
           <a:prstGeom prst="rect">
             <a:avLst/>
@@ -7749,13 +8581,302 @@
               <a:buNone/>
             </a:pPr>
             <a:r>
-              <a:rPr lang="en-US" sz="2000" b="1" dirty="0"/>
-              <a:t>Figure7. </a:t>
-            </a:r>
-            <a:r>
-              <a:rPr lang="en-US" sz="2000" dirty="0"/>
-              <a:t>The result of implemented model on the Microsoft Kinect at the University of Detroit Mercy</a:t>
-            </a:r>
+              <a:rPr lang="en-US" sz="2500" b="1" dirty="0">
+                <a:latin typeface="+mn-lt"/>
+              </a:rPr>
+              <a:t>Figure 7. </a:t>
+            </a:r>
+            <a:r>
+              <a:rPr lang="en-US" sz="2500" dirty="0">
+                <a:latin typeface="+mn-lt"/>
+              </a:rPr>
+              <a:t>The result of implemented model on the Microsoft Kinect at the University of Detroit Mercy.</a:t>
+            </a:r>
+          </a:p>
+        </p:txBody>
+      </p:sp>
+      <p:pic>
+        <p:nvPicPr>
+          <p:cNvPr id="1026" name="Picture 2" descr="Related image">
+            <a:extLst>
+              <a:ext uri="{FF2B5EF4-FFF2-40B4-BE49-F238E27FC236}">
+                <a16:creationId xmlns:a16="http://schemas.microsoft.com/office/drawing/2014/main" id="{1AFA569B-304C-4479-B0F5-711993095AC5}"/>
+              </a:ext>
+            </a:extLst>
+          </p:cNvPr>
+          <p:cNvPicPr>
+            <a:picLocks noChangeAspect="1" noChangeArrowheads="1"/>
+          </p:cNvPicPr>
+          <p:nvPr/>
+        </p:nvPicPr>
+        <p:blipFill>
+          <a:blip r:embed="rId16">
+            <a:extLst>
+              <a:ext uri="{28A0092B-C50C-407E-A947-70E740481C1C}">
+                <a14:useLocalDpi xmlns:a14="http://schemas.microsoft.com/office/drawing/2010/main" val="0"/>
+              </a:ext>
+            </a:extLst>
+          </a:blip>
+          <a:srcRect/>
+          <a:stretch>
+            <a:fillRect/>
+          </a:stretch>
+        </p:blipFill>
+        <p:spPr bwMode="auto">
+          <a:xfrm>
+            <a:off x="968183" y="15984687"/>
+            <a:ext cx="10233217" cy="4247470"/>
+          </a:xfrm>
+          <a:prstGeom prst="rect">
+            <a:avLst/>
+          </a:prstGeom>
+          <a:noFill/>
+          <a:extLst>
+            <a:ext uri="{909E8E84-426E-40DD-AFC4-6F175D3DCCD1}">
+              <a14:hiddenFill xmlns:a14="http://schemas.microsoft.com/office/drawing/2010/main">
+                <a:solidFill>
+                  <a:srgbClr val="FFFFFF"/>
+                </a:solidFill>
+              </a14:hiddenFill>
+            </a:ext>
+          </a:extLst>
+        </p:spPr>
+      </p:pic>
+      <p:sp>
+        <p:nvSpPr>
+          <p:cNvPr id="47" name="Rectangle 3">
+            <a:extLst>
+              <a:ext uri="{FF2B5EF4-FFF2-40B4-BE49-F238E27FC236}">
+                <a16:creationId xmlns:a16="http://schemas.microsoft.com/office/drawing/2014/main" id="{ACA3064E-C508-4C5F-A2AA-A3524E6D7D39}"/>
+              </a:ext>
+            </a:extLst>
+          </p:cNvPr>
+          <p:cNvSpPr txBox="1">
+            <a:spLocks noChangeArrowheads="1"/>
+          </p:cNvSpPr>
+          <p:nvPr/>
+        </p:nvSpPr>
+        <p:spPr bwMode="auto">
+          <a:xfrm>
+            <a:off x="642442" y="32385000"/>
+            <a:ext cx="42622430" cy="422454"/>
+          </a:xfrm>
+          <a:prstGeom prst="rect">
+            <a:avLst/>
+          </a:prstGeom>
+          <a:ln w="25400" cap="flat" cmpd="sng" algn="ctr">
+            <a:solidFill>
+              <a:schemeClr val="accent2"/>
+            </a:solidFill>
+            <a:prstDash val="solid"/>
+            <a:miter lim="800000"/>
+            <a:headEnd/>
+            <a:tailEnd/>
+          </a:ln>
+        </p:spPr>
+        <p:style>
+          <a:lnRef idx="2">
+            <a:schemeClr val="accent2"/>
+          </a:lnRef>
+          <a:fillRef idx="1">
+            <a:schemeClr val="lt1"/>
+          </a:fillRef>
+          <a:effectRef idx="0">
+            <a:schemeClr val="accent2"/>
+          </a:effectRef>
+          <a:fontRef idx="minor">
+            <a:schemeClr val="dk1"/>
+          </a:fontRef>
+        </p:style>
+        <p:txBody>
+          <a:bodyPr vert="horz" wrap="square" lIns="80010" tIns="40005" rIns="80010" bIns="40005" numCol="1" anchor="t" anchorCtr="0" compatLnSpc="1">
+            <a:prstTxWarp prst="textNoShape">
+              <a:avLst/>
+            </a:prstTxWarp>
+          </a:bodyPr>
+          <a:lstStyle>
+            <a:lvl1pPr marL="297259" indent="-297259" algn="l" rtl="0" eaLnBrk="0" fontAlgn="base" hangingPunct="0">
+              <a:spcBef>
+                <a:spcPct val="20000"/>
+              </a:spcBef>
+              <a:spcAft>
+                <a:spcPct val="0"/>
+              </a:spcAft>
+              <a:buChar char="•"/>
+              <a:defRPr sz="2900">
+                <a:solidFill>
+                  <a:schemeClr val="dk1"/>
+                </a:solidFill>
+                <a:latin typeface="+mn-lt"/>
+                <a:ea typeface="+mn-ea"/>
+                <a:cs typeface="+mn-cs"/>
+              </a:defRPr>
+            </a:lvl1pPr>
+            <a:lvl2pPr marL="647303" indent="-251421" algn="l" rtl="0" eaLnBrk="0" fontAlgn="base" hangingPunct="0">
+              <a:spcBef>
+                <a:spcPct val="20000"/>
+              </a:spcBef>
+              <a:spcAft>
+                <a:spcPct val="0"/>
+              </a:spcAft>
+              <a:buChar char="–"/>
+              <a:defRPr sz="2400">
+                <a:solidFill>
+                  <a:schemeClr val="dk1"/>
+                </a:solidFill>
+                <a:latin typeface="+mn-lt"/>
+                <a:ea typeface="+mn-ea"/>
+                <a:cs typeface="+mn-cs"/>
+              </a:defRPr>
+            </a:lvl2pPr>
+            <a:lvl3pPr marL="998736" indent="-198636" algn="l" rtl="0" eaLnBrk="0" fontAlgn="base" hangingPunct="0">
+              <a:spcBef>
+                <a:spcPct val="20000"/>
+              </a:spcBef>
+              <a:spcAft>
+                <a:spcPct val="0"/>
+              </a:spcAft>
+              <a:buChar char="•"/>
+              <a:defRPr sz="1900">
+                <a:solidFill>
+                  <a:schemeClr val="dk1"/>
+                </a:solidFill>
+                <a:latin typeface="+mn-lt"/>
+                <a:ea typeface="+mn-ea"/>
+                <a:cs typeface="+mn-cs"/>
+              </a:defRPr>
+            </a:lvl3pPr>
+            <a:lvl4pPr marL="1401565" indent="-205581" algn="l" rtl="0" eaLnBrk="0" fontAlgn="base" hangingPunct="0">
+              <a:spcBef>
+                <a:spcPct val="20000"/>
+              </a:spcBef>
+              <a:spcAft>
+                <a:spcPct val="0"/>
+              </a:spcAft>
+              <a:buChar char="–"/>
+              <a:defRPr sz="1900">
+                <a:solidFill>
+                  <a:schemeClr val="dk1"/>
+                </a:solidFill>
+                <a:latin typeface="+mn-lt"/>
+                <a:ea typeface="+mn-ea"/>
+                <a:cs typeface="+mn-cs"/>
+              </a:defRPr>
+            </a:lvl4pPr>
+            <a:lvl5pPr marL="1798836" indent="-198636" algn="l" rtl="0" eaLnBrk="0" fontAlgn="base" hangingPunct="0">
+              <a:spcBef>
+                <a:spcPct val="20000"/>
+              </a:spcBef>
+              <a:spcAft>
+                <a:spcPct val="0"/>
+              </a:spcAft>
+              <a:buChar char="»"/>
+              <a:defRPr sz="1900">
+                <a:solidFill>
+                  <a:schemeClr val="dk1"/>
+                </a:solidFill>
+                <a:latin typeface="+mn-lt"/>
+                <a:ea typeface="+mn-ea"/>
+                <a:cs typeface="+mn-cs"/>
+              </a:defRPr>
+            </a:lvl5pPr>
+            <a:lvl6pPr marL="2198886" indent="-198636" algn="l" rtl="0" fontAlgn="base">
+              <a:spcBef>
+                <a:spcPct val="20000"/>
+              </a:spcBef>
+              <a:spcAft>
+                <a:spcPct val="0"/>
+              </a:spcAft>
+              <a:buChar char="»"/>
+              <a:defRPr sz="1900">
+                <a:solidFill>
+                  <a:schemeClr val="dk1"/>
+                </a:solidFill>
+                <a:latin typeface="+mn-lt"/>
+                <a:ea typeface="+mn-ea"/>
+                <a:cs typeface="+mn-cs"/>
+              </a:defRPr>
+            </a:lvl6pPr>
+            <a:lvl7pPr marL="2598936" indent="-198636" algn="l" rtl="0" fontAlgn="base">
+              <a:spcBef>
+                <a:spcPct val="20000"/>
+              </a:spcBef>
+              <a:spcAft>
+                <a:spcPct val="0"/>
+              </a:spcAft>
+              <a:buChar char="»"/>
+              <a:defRPr sz="1900">
+                <a:solidFill>
+                  <a:schemeClr val="dk1"/>
+                </a:solidFill>
+                <a:latin typeface="+mn-lt"/>
+                <a:ea typeface="+mn-ea"/>
+                <a:cs typeface="+mn-cs"/>
+              </a:defRPr>
+            </a:lvl7pPr>
+            <a:lvl8pPr marL="2998986" indent="-198636" algn="l" rtl="0" fontAlgn="base">
+              <a:spcBef>
+                <a:spcPct val="20000"/>
+              </a:spcBef>
+              <a:spcAft>
+                <a:spcPct val="0"/>
+              </a:spcAft>
+              <a:buChar char="»"/>
+              <a:defRPr sz="1900">
+                <a:solidFill>
+                  <a:schemeClr val="dk1"/>
+                </a:solidFill>
+                <a:latin typeface="+mn-lt"/>
+                <a:ea typeface="+mn-ea"/>
+                <a:cs typeface="+mn-cs"/>
+              </a:defRPr>
+            </a:lvl8pPr>
+            <a:lvl9pPr marL="3399036" indent="-198636" algn="l" rtl="0" fontAlgn="base">
+              <a:spcBef>
+                <a:spcPct val="20000"/>
+              </a:spcBef>
+              <a:spcAft>
+                <a:spcPct val="0"/>
+              </a:spcAft>
+              <a:buChar char="»"/>
+              <a:defRPr sz="1900">
+                <a:solidFill>
+                  <a:schemeClr val="dk1"/>
+                </a:solidFill>
+                <a:latin typeface="+mn-lt"/>
+                <a:ea typeface="+mn-ea"/>
+                <a:cs typeface="+mn-cs"/>
+              </a:defRPr>
+            </a:lvl9pPr>
+          </a:lstStyle>
+          <a:p>
+            <a:pPr marL="0" indent="0" algn="just" eaLnBrk="1" hangingPunct="1">
+              <a:lnSpc>
+                <a:spcPct val="90000"/>
+              </a:lnSpc>
+              <a:spcBef>
+                <a:spcPts val="1575"/>
+              </a:spcBef>
+              <a:spcAft>
+                <a:spcPts val="0"/>
+              </a:spcAft>
+              <a:buNone/>
+            </a:pPr>
+            <a:r>
+              <a:rPr lang="en-US" sz="2800" b="1" kern="0" dirty="0">
+                <a:latin typeface="Arial Narrow" panose="020B0606020202030204" pitchFamily="34" charset="0"/>
+                <a:cs typeface="Times New Roman" panose="02020603050405020304" pitchFamily="18" charset="0"/>
+              </a:rPr>
+              <a:t>Engineering and Science Undergraduate and Graduate Research Symposium, University of Detroit Mercy                                                                                                                                                                                                                                                                                                                          </a:t>
+            </a:r>
+            <a:r>
+              <a:rPr lang="en-US" sz="2400" b="1" dirty="0"/>
+              <a:t>October 18, 2019</a:t>
+            </a:r>
+            <a:endParaRPr lang="en-US" sz="2800" b="1" kern="0" dirty="0">
+              <a:latin typeface="Arial Narrow" panose="020B0606020202030204" pitchFamily="34" charset="0"/>
+              <a:cs typeface="Times New Roman" panose="02020603050405020304" pitchFamily="18" charset="0"/>
+            </a:endParaRPr>
           </a:p>
         </p:txBody>
       </p:sp>
